--- a/Template_defesa_tema.pptx
+++ b/Template_defesa_tema.pptx
@@ -5,7 +5,7 @@
     <p:sldMasterId id="2147483685" r:id="rId4"/>
   </p:sldMasterIdLst>
   <p:notesMasterIdLst>
-    <p:notesMasterId r:id="rId17"/>
+    <p:notesMasterId r:id="rId22"/>
   </p:notesMasterIdLst>
   <p:sldIdLst>
     <p:sldId id="323" r:id="rId5"/>
@@ -17,9 +17,14 @@
     <p:sldId id="338" r:id="rId11"/>
     <p:sldId id="339" r:id="rId12"/>
     <p:sldId id="328" r:id="rId13"/>
-    <p:sldId id="329" r:id="rId14"/>
-    <p:sldId id="327" r:id="rId15"/>
-    <p:sldId id="335" r:id="rId16"/>
+    <p:sldId id="341" r:id="rId14"/>
+    <p:sldId id="343" r:id="rId15"/>
+    <p:sldId id="345" r:id="rId16"/>
+    <p:sldId id="329" r:id="rId17"/>
+    <p:sldId id="327" r:id="rId18"/>
+    <p:sldId id="346" r:id="rId19"/>
+    <p:sldId id="348" r:id="rId20"/>
+    <p:sldId id="335" r:id="rId21"/>
   </p:sldIdLst>
   <p:sldSz cx="9144000" cy="6858000" type="screen4x3"/>
   <p:notesSz cx="6858000" cy="9144000"/>
@@ -173,7 +178,10 @@
     <p1510:client id="{4DBD1461-88C9-4C76-9A08-EACB44CE3D02}" v="561" dt="2023-03-07T00:25:30.500"/>
     <p1510:client id="{67C93DAB-3BFB-441F-AF69-AC19C4D8DD64}" v="1048" dt="2022-12-03T18:27:53.568"/>
     <p1510:client id="{73347C4E-38BA-41C0-AB78-3735C6B2F4A3}" v="9" dt="2023-03-07T00:27:33.015"/>
+    <p1510:client id="{762B31A0-A211-8A8C-F391-F4BCF56DB3C5}" v="35" dt="2023-09-06T18:21:09.945"/>
     <p1510:client id="{A0F8C210-F04F-40BD-8A5B-78F28FF1714A}" v="13" dt="2023-03-07T18:56:44.944"/>
+    <p1510:client id="{A54B067C-56C6-A4B4-EAD0-CD4982607A07}" v="393" dt="2023-09-12T01:51:22.858"/>
+    <p1510:client id="{DB45D7C7-2E2C-4456-B201-5113616D0DEC}" v="12" dt="2023-09-11T19:58:24.143"/>
   </p1510:revLst>
 </p1510:revInfo>
 </file>
@@ -276,7 +284,7 @@
               <a:pPr>
                 <a:defRPr/>
               </a:pPr>
-              <a:t>24/08/2023</a:t>
+              <a:t>11/09/2023</a:t>
             </a:fld>
             <a:endParaRPr lang="pt-BR"/>
           </a:p>
@@ -669,7 +677,7 @@
               <a:rPr lang="pt-BR"/>
               <a:t>Clique para editar o título mestre</a:t>
             </a:r>
-            <a:endParaRPr lang="en-US" dirty="0"/>
+            <a:endParaRPr lang="en-US"/>
           </a:p>
         </p:txBody>
       </p:sp>
@@ -749,7 +757,7 @@
               <a:rPr lang="pt-BR"/>
               <a:t>Clique para editar o estilo do subtítulo mestre</a:t>
             </a:r>
-            <a:endParaRPr lang="en-US" dirty="0"/>
+            <a:endParaRPr lang="en-US"/>
           </a:p>
         </p:txBody>
       </p:sp>
@@ -970,7 +978,7 @@
               <a:pPr>
                 <a:defRPr/>
               </a:pPr>
-              <a:t>24/08/2023</a:t>
+              <a:t>11/09/2023</a:t>
             </a:fld>
             <a:endParaRPr lang="pt-BR"/>
           </a:p>
@@ -1080,7 +1088,7 @@
               <a:rPr lang="pt-BR"/>
               <a:t>Clique para editar o título mestre</a:t>
             </a:r>
-            <a:endParaRPr lang="en-US" dirty="0"/>
+            <a:endParaRPr lang="en-US"/>
           </a:p>
         </p:txBody>
       </p:sp>
@@ -1170,7 +1178,7 @@
               <a:rPr lang="pt-BR"/>
               <a:t>Quinto nível</a:t>
             </a:r>
-            <a:endParaRPr lang="en-US" dirty="0"/>
+            <a:endParaRPr lang="en-US"/>
           </a:p>
         </p:txBody>
       </p:sp>
@@ -1197,7 +1205,7 @@
               <a:pPr>
                 <a:defRPr/>
               </a:pPr>
-              <a:t>24/08/2023</a:t>
+              <a:t>11/09/2023</a:t>
             </a:fld>
             <a:endParaRPr lang="pt-BR"/>
           </a:p>
@@ -1306,7 +1314,7 @@
               <a:rPr lang="pt-BR"/>
               <a:t>Clique para editar o título mestre</a:t>
             </a:r>
-            <a:endParaRPr lang="en-US" dirty="0"/>
+            <a:endParaRPr lang="en-US"/>
           </a:p>
         </p:txBody>
       </p:sp>
@@ -1381,7 +1389,7 @@
               <a:rPr lang="pt-BR"/>
               <a:t>Quinto nível</a:t>
             </a:r>
-            <a:endParaRPr lang="en-US" dirty="0"/>
+            <a:endParaRPr lang="en-US"/>
           </a:p>
         </p:txBody>
       </p:sp>
@@ -1408,7 +1416,7 @@
               <a:pPr>
                 <a:defRPr/>
               </a:pPr>
-              <a:t>24/08/2023</a:t>
+              <a:t>11/09/2023</a:t>
             </a:fld>
             <a:endParaRPr lang="pt-BR"/>
           </a:p>
@@ -1563,7 +1571,7 @@
               <a:rPr lang="pt-BR"/>
               <a:t>Clique para editar o título mestre</a:t>
             </a:r>
-            <a:endParaRPr lang="en-US" dirty="0"/>
+            <a:endParaRPr lang="en-US"/>
           </a:p>
         </p:txBody>
       </p:sp>
@@ -1596,7 +1604,7 @@
               <a:pPr>
                 <a:defRPr/>
               </a:pPr>
-              <a:t>24/08/2023</a:t>
+              <a:t>11/09/2023</a:t>
             </a:fld>
             <a:endParaRPr lang="pt-BR"/>
           </a:p>
@@ -1713,7 +1721,7 @@
               <a:pPr>
                 <a:defRPr/>
               </a:pPr>
-              <a:t>24/08/2023</a:t>
+              <a:t>11/09/2023</a:t>
             </a:fld>
             <a:endParaRPr lang="pt-BR"/>
           </a:p>
@@ -1797,7 +1805,6 @@
               <a:rPr lang="pt-BR"/>
               <a:t>Clique para editar o título mestre</a:t>
             </a:r>
-            <a:endParaRPr lang="pt-BR" dirty="0"/>
           </a:p>
         </p:txBody>
       </p:sp>
@@ -1835,7 +1842,6 @@
               <a:rPr lang="pt-BR"/>
               <a:t>Clique para editar o estilo do subtítulo mestre</a:t>
             </a:r>
-            <a:endParaRPr lang="pt-BR" dirty="0"/>
           </a:p>
         </p:txBody>
       </p:sp>
@@ -1903,7 +1909,7 @@
               <a:rPr lang="pt-BR"/>
               <a:t>Clique para editar o título mestre</a:t>
             </a:r>
-            <a:endParaRPr lang="en-US" dirty="0"/>
+            <a:endParaRPr lang="en-US"/>
           </a:p>
         </p:txBody>
       </p:sp>
@@ -2025,7 +2031,7 @@
               <a:pPr>
                 <a:defRPr/>
               </a:pPr>
-              <a:t>24/08/2023</a:t>
+              <a:t>11/09/2023</a:t>
             </a:fld>
             <a:endParaRPr lang="pt-BR"/>
           </a:p>
@@ -2142,7 +2148,7 @@
               <a:rPr lang="pt-BR"/>
               <a:t>Clique para editar o título mestre</a:t>
             </a:r>
-            <a:endParaRPr lang="en-US" dirty="0"/>
+            <a:endParaRPr lang="en-US"/>
           </a:p>
         </p:txBody>
       </p:sp>
@@ -2287,7 +2293,7 @@
               <a:rPr lang="pt-BR"/>
               <a:t>Quinto nível</a:t>
             </a:r>
-            <a:endParaRPr lang="en-US" dirty="0"/>
+            <a:endParaRPr lang="en-US"/>
           </a:p>
         </p:txBody>
       </p:sp>
@@ -2314,7 +2320,7 @@
               <a:pPr>
                 <a:defRPr/>
               </a:pPr>
-              <a:t>24/08/2023</a:t>
+              <a:t>11/09/2023</a:t>
             </a:fld>
             <a:endParaRPr lang="pt-BR"/>
           </a:p>
@@ -2438,7 +2444,7 @@
               <a:rPr lang="pt-BR"/>
               <a:t>Clique para editar o título mestre</a:t>
             </a:r>
-            <a:endParaRPr lang="en-US" dirty="0"/>
+            <a:endParaRPr lang="en-US"/>
           </a:p>
         </p:txBody>
       </p:sp>
@@ -2596,7 +2602,7 @@
               <a:pPr>
                 <a:defRPr/>
               </a:pPr>
-              <a:t>24/08/2023</a:t>
+              <a:t>11/09/2023</a:t>
             </a:fld>
             <a:endParaRPr lang="pt-BR"/>
           </a:p>
@@ -2720,7 +2726,7 @@
               <a:rPr lang="pt-BR"/>
               <a:t>Clique para editar o título mestre</a:t>
             </a:r>
-            <a:endParaRPr lang="en-US" dirty="0"/>
+            <a:endParaRPr lang="en-US"/>
           </a:p>
         </p:txBody>
       </p:sp>
@@ -2878,7 +2884,7 @@
               <a:pPr>
                 <a:defRPr/>
               </a:pPr>
-              <a:t>24/08/2023</a:t>
+              <a:t>11/09/2023</a:t>
             </a:fld>
             <a:endParaRPr lang="pt-BR"/>
           </a:p>
@@ -2994,7 +3000,7 @@
               <a:rPr lang="pt-BR"/>
               <a:t>Clique para editar o título mestre</a:t>
             </a:r>
-            <a:endParaRPr lang="en-US" dirty="0"/>
+            <a:endParaRPr lang="en-US"/>
           </a:p>
         </p:txBody>
       </p:sp>
@@ -3181,7 +3187,7 @@
               <a:pPr>
                 <a:defRPr/>
               </a:pPr>
-              <a:t>24/08/2023</a:t>
+              <a:t>11/09/2023</a:t>
             </a:fld>
             <a:endParaRPr lang="pt-BR"/>
           </a:p>
@@ -3300,7 +3306,7 @@
               <a:rPr lang="pt-BR"/>
               <a:t>Clique para editar o título mestre</a:t>
             </a:r>
-            <a:endParaRPr lang="en-US" dirty="0"/>
+            <a:endParaRPr lang="en-US"/>
           </a:p>
         </p:txBody>
       </p:sp>
@@ -3475,7 +3481,7 @@
               <a:rPr lang="pt-BR"/>
               <a:t>Quinto nível</a:t>
             </a:r>
-            <a:endParaRPr lang="en-US" dirty="0"/>
+            <a:endParaRPr lang="en-US"/>
           </a:p>
         </p:txBody>
       </p:sp>
@@ -3650,7 +3656,7 @@
               <a:rPr lang="pt-BR"/>
               <a:t>Quinto nível</a:t>
             </a:r>
-            <a:endParaRPr lang="en-US" dirty="0"/>
+            <a:endParaRPr lang="en-US"/>
           </a:p>
         </p:txBody>
       </p:sp>
@@ -3677,7 +3683,7 @@
               <a:pPr>
                 <a:defRPr/>
               </a:pPr>
-              <a:t>24/08/2023</a:t>
+              <a:t>11/09/2023</a:t>
             </a:fld>
             <a:endParaRPr lang="pt-BR"/>
           </a:p>
@@ -3846,7 +3852,7 @@
               <a:rPr lang="pt-BR"/>
               <a:t>Clique para editar o título mestre</a:t>
             </a:r>
-            <a:endParaRPr lang="en-US" dirty="0"/>
+            <a:endParaRPr lang="en-US"/>
           </a:p>
         </p:txBody>
       </p:sp>
@@ -3873,7 +3879,7 @@
               <a:pPr>
                 <a:defRPr/>
               </a:pPr>
-              <a:t>24/08/2023</a:t>
+              <a:t>11/09/2023</a:t>
             </a:fld>
             <a:endParaRPr lang="pt-BR"/>
           </a:p>
@@ -3989,10 +3995,10 @@
           <a:lstStyle/>
           <a:p>
             <a:r>
-              <a:rPr lang="pt-BR" dirty="0"/>
+              <a:rPr lang="pt-BR"/>
               <a:t>Clique para editar o título mestre</a:t>
             </a:r>
-            <a:endParaRPr lang="en-US" dirty="0"/>
+            <a:endParaRPr lang="en-US"/>
           </a:p>
         </p:txBody>
       </p:sp>
@@ -4023,38 +4029,38 @@
           <a:p>
             <a:pPr lvl="0"/>
             <a:r>
-              <a:rPr lang="pt-BR" dirty="0"/>
+              <a:rPr lang="pt-BR"/>
               <a:t>Clique para editar o texto mestre</a:t>
             </a:r>
           </a:p>
           <a:p>
             <a:pPr lvl="1"/>
             <a:r>
-              <a:rPr lang="pt-BR" dirty="0"/>
+              <a:rPr lang="pt-BR"/>
               <a:t>Segundo nível</a:t>
             </a:r>
           </a:p>
           <a:p>
             <a:pPr lvl="2"/>
             <a:r>
-              <a:rPr lang="pt-BR" dirty="0"/>
+              <a:rPr lang="pt-BR"/>
               <a:t>Terceiro nível</a:t>
             </a:r>
           </a:p>
           <a:p>
             <a:pPr lvl="3"/>
             <a:r>
-              <a:rPr lang="pt-BR" dirty="0"/>
+              <a:rPr lang="pt-BR"/>
               <a:t>Quarto nível</a:t>
             </a:r>
           </a:p>
           <a:p>
             <a:pPr lvl="4"/>
             <a:r>
-              <a:rPr lang="pt-BR" dirty="0"/>
+              <a:rPr lang="pt-BR"/>
               <a:t>Quinto nível</a:t>
             </a:r>
-            <a:endParaRPr lang="en-US" dirty="0"/>
+            <a:endParaRPr lang="en-US"/>
           </a:p>
         </p:txBody>
       </p:sp>
@@ -4101,7 +4107,7 @@
               <a:pPr>
                 <a:defRPr/>
               </a:pPr>
-              <a:t>24/08/2023</a:t>
+              <a:t>11/09/2023</a:t>
             </a:fld>
             <a:endParaRPr lang="pt-BR"/>
           </a:p>
@@ -4689,7 +4695,7 @@
           <a:lstStyle/>
           <a:p>
             <a:r>
-              <a:rPr lang="pt-BR" b="1" dirty="0">
+              <a:rPr lang="pt-BR" b="1">
                 <a:latin typeface="Open Sans"/>
                 <a:ea typeface="Open Sans"/>
                 <a:cs typeface="Open Sans"/>
@@ -4697,21 +4703,21 @@
               <a:t>DEFESA DE TEMA</a:t>
             </a:r>
             <a:br>
-              <a:rPr lang="pt-BR" dirty="0">
+              <a:rPr lang="pt-BR">
                 <a:latin typeface="Open Sans"/>
                 <a:ea typeface="Open Sans"/>
                 <a:cs typeface="Open Sans"/>
               </a:rPr>
             </a:br>
             <a:br>
-              <a:rPr lang="pt-BR" dirty="0">
+              <a:rPr lang="pt-BR">
                 <a:latin typeface="Open Sans"/>
                 <a:ea typeface="Open Sans"/>
                 <a:cs typeface="Open Sans"/>
               </a:rPr>
             </a:br>
             <a:r>
-              <a:rPr lang="pt-BR" i="1" dirty="0">
+              <a:rPr lang="pt-BR" i="1">
                 <a:latin typeface="Open Sans"/>
                 <a:ea typeface="Open Sans"/>
                 <a:cs typeface="Open Sans"/>
@@ -4719,10 +4725,10 @@
               <a:t>Arborização Social – Venda de plantas ornamentais sob demanda</a:t>
             </a:r>
             <a:br>
-              <a:rPr lang="pt-BR" dirty="0"/>
+              <a:rPr lang="pt-BR"/>
             </a:br>
             <a:r>
-              <a:rPr lang="pt-BR" sz="1600" dirty="0">
+              <a:rPr lang="pt-BR" sz="1600">
                 <a:latin typeface="Open Sans"/>
                 <a:ea typeface="Open Sans"/>
                 <a:cs typeface="Open Sans"/>
@@ -4730,7 +4736,7 @@
               <a:t>Erik Gustavo </a:t>
             </a:r>
             <a:r>
-              <a:rPr lang="pt-BR" sz="1600" dirty="0" err="1">
+              <a:rPr lang="pt-BR" sz="1600" err="1">
                 <a:latin typeface="Open Sans"/>
                 <a:ea typeface="Open Sans"/>
                 <a:cs typeface="Open Sans"/>
@@ -4738,14 +4744,14 @@
               <a:t>Tomelin</a:t>
             </a:r>
             <a:br>
-              <a:rPr lang="pt-BR" sz="1600" dirty="0">
+              <a:rPr lang="pt-BR" sz="1600">
                 <a:latin typeface="Open Sans"/>
                 <a:ea typeface="Open Sans"/>
                 <a:cs typeface="Open Sans"/>
               </a:rPr>
             </a:br>
             <a:r>
-              <a:rPr lang="pt-BR" sz="1200" dirty="0">
+              <a:rPr lang="pt-BR" sz="1200">
                 <a:latin typeface="Open Sans"/>
                 <a:ea typeface="Open Sans"/>
                 <a:cs typeface="Open Sans"/>
@@ -4753,13 +4759,13 @@
               <a:t>tomelinerik@gmail.com</a:t>
             </a:r>
             <a:br>
-              <a:rPr lang="pt-BR" sz="1200" dirty="0">
+              <a:rPr lang="pt-BR" sz="1200">
                 <a:latin typeface="Open Sans"/>
                 <a:ea typeface="Open Sans"/>
                 <a:cs typeface="Open Sans"/>
               </a:rPr>
             </a:br>
-            <a:endParaRPr lang="pt-BR" sz="1600" dirty="0">
+            <a:endParaRPr lang="pt-BR" sz="1600">
               <a:latin typeface="Open Sans"/>
               <a:ea typeface="Open Sans"/>
               <a:cs typeface="Open Sans"/>
@@ -4794,7 +4800,7 @@
               </a:spcAft>
             </a:pPr>
             <a:r>
-              <a:rPr lang="pt-BR" dirty="0">
+              <a:rPr lang="pt-BR">
                 <a:latin typeface="Open Sans"/>
                 <a:ea typeface="Open Sans"/>
                 <a:cs typeface="Open Sans"/>
@@ -4809,7 +4815,7 @@
               </a:spcAft>
             </a:pPr>
             <a:r>
-              <a:rPr lang="pt-BR" dirty="0">
+              <a:rPr lang="pt-BR">
                 <a:latin typeface="Open Sans"/>
                 <a:ea typeface="Open Sans"/>
                 <a:cs typeface="Open Sans"/>
@@ -4824,7 +4830,7 @@
               </a:spcAft>
             </a:pPr>
             <a:r>
-              <a:rPr lang="pt-BR" dirty="0">
+              <a:rPr lang="pt-BR">
                 <a:latin typeface="Open Sans"/>
                 <a:ea typeface="Open Sans"/>
                 <a:cs typeface="Open Sans"/>
@@ -4869,7 +4875,7 @@
           <p:cNvPr id="2" name="Título 1">
             <a:extLst>
               <a:ext uri="{FF2B5EF4-FFF2-40B4-BE49-F238E27FC236}">
-                <a16:creationId xmlns:a16="http://schemas.microsoft.com/office/drawing/2014/main" id="{B6C544B0-848D-8158-5725-CF387AAD9A59}"/>
+                <a16:creationId xmlns:a16="http://schemas.microsoft.com/office/drawing/2014/main" id="{3ACF7155-6A31-3C21-DC89-1D5282CC9805}"/>
               </a:ext>
             </a:extLst>
           </p:cNvPr>
@@ -4880,186 +4886,82 @@
             <p:ph type="title"/>
           </p:nvPr>
         </p:nvSpPr>
-        <p:spPr/>
-        <p:txBody>
-          <a:bodyPr/>
+        <p:spPr>
+          <a:xfrm>
+            <a:off x="2847" y="-3815"/>
+            <a:ext cx="9138304" cy="999971"/>
+          </a:xfrm>
+        </p:spPr>
+        <p:txBody>
+          <a:bodyPr vert="horz" lIns="91440" tIns="45720" rIns="91440" bIns="45720" rtlCol="0" anchor="ctr">
+            <a:normAutofit/>
+          </a:bodyPr>
           <a:lstStyle/>
           <a:p>
+            <a:pPr algn="ctr"/>
             <a:r>
               <a:rPr lang="pt-BR" dirty="0">
                 <a:latin typeface="Open Sans"/>
                 <a:ea typeface="Open Sans"/>
                 <a:cs typeface="Open Sans"/>
               </a:rPr>
-              <a:t>Pacotes do </a:t>
-            </a:r>
-            <a:r>
-              <a:rPr lang="pt-BR" dirty="0" err="1">
-                <a:latin typeface="Open Sans"/>
-                <a:ea typeface="Open Sans"/>
-                <a:cs typeface="Open Sans"/>
-              </a:rPr>
-              <a:t>Feature</a:t>
-            </a:r>
-            <a:r>
-              <a:rPr lang="pt-BR" dirty="0">
-                <a:latin typeface="Open Sans"/>
-                <a:ea typeface="Open Sans"/>
-                <a:cs typeface="Open Sans"/>
-              </a:rPr>
-              <a:t> </a:t>
-            </a:r>
-            <a:r>
-              <a:rPr lang="pt-BR" dirty="0" err="1">
-                <a:latin typeface="Open Sans"/>
-                <a:ea typeface="Open Sans"/>
-                <a:cs typeface="Open Sans"/>
-              </a:rPr>
-              <a:t>Driven</a:t>
-            </a:r>
-            <a:r>
-              <a:rPr lang="pt-BR" dirty="0">
-                <a:latin typeface="Open Sans"/>
-                <a:ea typeface="Open Sans"/>
-                <a:cs typeface="Open Sans"/>
-              </a:rPr>
-              <a:t> </a:t>
-            </a:r>
-            <a:r>
-              <a:rPr lang="pt-BR" dirty="0" err="1">
-                <a:latin typeface="Open Sans"/>
-                <a:ea typeface="Open Sans"/>
-                <a:cs typeface="Open Sans"/>
-              </a:rPr>
-              <a:t>Development</a:t>
-            </a:r>
-            <a:r>
-              <a:rPr lang="pt-BR" dirty="0">
-                <a:latin typeface="Open Sans"/>
-                <a:ea typeface="Open Sans"/>
-                <a:cs typeface="Open Sans"/>
-              </a:rPr>
-              <a:t> (FDD)</a:t>
+              <a:t>Diagrama de classe</a:t>
             </a:r>
             <a:endParaRPr lang="pt-BR" dirty="0"/>
           </a:p>
         </p:txBody>
       </p:sp>
-      <p:sp>
-        <p:nvSpPr>
-          <p:cNvPr id="3" name="Espaço Reservado para Conteúdo 2">
+      <p:pic>
+        <p:nvPicPr>
+          <p:cNvPr id="7" name="Gráfico 6">
             <a:extLst>
               <a:ext uri="{FF2B5EF4-FFF2-40B4-BE49-F238E27FC236}">
-                <a16:creationId xmlns:a16="http://schemas.microsoft.com/office/drawing/2014/main" id="{A44A1580-0851-0045-92EC-CC870A25E093}"/>
+                <a16:creationId xmlns:a16="http://schemas.microsoft.com/office/drawing/2014/main" id="{8D6525C4-F64D-04D5-0B4A-F2EC3EB65280}"/>
               </a:ext>
             </a:extLst>
           </p:cNvPr>
-          <p:cNvSpPr>
-            <a:spLocks noGrp="1"/>
-          </p:cNvSpPr>
-          <p:nvPr>
-            <p:ph idx="1"/>
-          </p:nvPr>
-        </p:nvSpPr>
-        <p:spPr/>
-        <p:txBody>
-          <a:bodyPr vert="horz" lIns="45720" tIns="45720" rIns="45720" bIns="45720" rtlCol="0" anchor="t">
-            <a:normAutofit/>
-          </a:bodyPr>
-          <a:lstStyle/>
-          <a:p>
-            <a:pPr marL="185420" indent="-185420"/>
-            <a:r>
-              <a:rPr lang="pt-BR" dirty="0">
-                <a:latin typeface="Open Sans"/>
-                <a:ea typeface="Open Sans"/>
-                <a:cs typeface="Open Sans"/>
-              </a:rPr>
-              <a:t>Como </a:t>
-            </a:r>
-            <a:r>
-              <a:rPr lang="pt-BR" dirty="0" err="1">
-                <a:latin typeface="Open Sans"/>
-                <a:ea typeface="Open Sans"/>
-                <a:cs typeface="Open Sans"/>
-              </a:rPr>
-              <a:t>vc</a:t>
-            </a:r>
-            <a:r>
-              <a:rPr lang="pt-BR" dirty="0">
-                <a:latin typeface="Open Sans"/>
-                <a:ea typeface="Open Sans"/>
-                <a:cs typeface="Open Sans"/>
-              </a:rPr>
-              <a:t> organizou os requisitos do projeto? </a:t>
-            </a:r>
-            <a:endParaRPr lang="pt-BR" dirty="0"/>
-          </a:p>
-          <a:p>
-            <a:pPr marL="185420" indent="-185420">
-              <a:spcAft>
-                <a:spcPts val="112"/>
-              </a:spcAft>
-            </a:pPr>
-            <a:r>
-              <a:rPr lang="pt-BR" dirty="0">
-                <a:latin typeface="Open Sans"/>
-                <a:ea typeface="Open Sans"/>
-                <a:cs typeface="Open Sans"/>
-              </a:rPr>
-              <a:t>Quais foram os requisitos em cada um dos pacotes que </a:t>
-            </a:r>
-            <a:r>
-              <a:rPr lang="pt-BR" dirty="0" err="1">
-                <a:latin typeface="Open Sans"/>
-                <a:ea typeface="Open Sans"/>
-                <a:cs typeface="Open Sans"/>
-              </a:rPr>
-              <a:t>vc</a:t>
-            </a:r>
-            <a:r>
-              <a:rPr lang="pt-BR" dirty="0">
-                <a:latin typeface="Open Sans"/>
-                <a:ea typeface="Open Sans"/>
-                <a:cs typeface="Open Sans"/>
-              </a:rPr>
-              <a:t> organizou no </a:t>
-            </a:r>
-            <a:r>
-              <a:rPr lang="pt-BR" dirty="0" err="1">
-                <a:latin typeface="Open Sans"/>
-                <a:ea typeface="Open Sans"/>
-                <a:cs typeface="Open Sans"/>
-              </a:rPr>
-              <a:t>trello</a:t>
-            </a:r>
-            <a:r>
-              <a:rPr lang="pt-BR" dirty="0">
-                <a:latin typeface="Open Sans"/>
-                <a:ea typeface="Open Sans"/>
-                <a:cs typeface="Open Sans"/>
-              </a:rPr>
-              <a:t> (ou equivalente)?</a:t>
-            </a:r>
-            <a:endParaRPr lang="pt-BR" dirty="0"/>
-          </a:p>
-        </p:txBody>
-      </p:sp>
+          <p:cNvPicPr>
+            <a:picLocks noChangeAspect="1"/>
+          </p:cNvPicPr>
+          <p:nvPr/>
+        </p:nvPicPr>
+        <p:blipFill>
+          <a:blip r:embed="rId2">
+            <a:extLst>
+              <a:ext uri="{96DAC541-7B7A-43D3-8B79-37D633B846F1}">
+                <asvg:svgBlip xmlns:asvg="http://schemas.microsoft.com/office/drawing/2016/SVG/main" r:embed="rId3"/>
+              </a:ext>
+            </a:extLst>
+          </a:blip>
+          <a:stretch>
+            <a:fillRect/>
+          </a:stretch>
+        </p:blipFill>
+        <p:spPr>
+          <a:xfrm>
+            <a:off x="2084942" y="996916"/>
+            <a:ext cx="4974116" cy="4864167"/>
+          </a:xfrm>
+          <a:prstGeom prst="rect">
+            <a:avLst/>
+          </a:prstGeom>
+        </p:spPr>
+      </p:pic>
     </p:spTree>
     <p:extLst>
       <p:ext uri="{BB962C8B-B14F-4D97-AF65-F5344CB8AC3E}">
-        <p14:creationId xmlns:p14="http://schemas.microsoft.com/office/powerpoint/2010/main" val="2617297823"/>
+        <p14:creationId xmlns:p14="http://schemas.microsoft.com/office/powerpoint/2010/main" val="1189621122"/>
       </p:ext>
     </p:extLst>
   </p:cSld>
   <p:clrMapOvr>
     <a:masterClrMapping/>
   </p:clrMapOvr>
-  <mc:AlternateContent xmlns:mc="http://schemas.openxmlformats.org/markup-compatibility/2006" xmlns:p14="http://schemas.microsoft.com/office/powerpoint/2010/main">
-    <mc:Choice Requires="p14">
+  <mc:AlternateContent xmlns:mc="http://schemas.openxmlformats.org/markup-compatibility/2006">
+    <mc:Choice xmlns:p14="http://schemas.microsoft.com/office/powerpoint/2010/main" Requires="p14">
       <p:transition p14:dur="0"/>
     </mc:Choice>
-    <mc:Fallback xmlns="">
+    <mc:Fallback>
       <p:transition/>
     </mc:Fallback>
   </mc:AlternateContent>
@@ -5088,7 +4990,7 @@
           <p:cNvPr id="2" name="Título 1">
             <a:extLst>
               <a:ext uri="{FF2B5EF4-FFF2-40B4-BE49-F238E27FC236}">
-                <a16:creationId xmlns:a16="http://schemas.microsoft.com/office/drawing/2014/main" id="{D0F74A3F-370C-21EC-3EBC-4ECA0BC036B9}"/>
+                <a16:creationId xmlns:a16="http://schemas.microsoft.com/office/drawing/2014/main" id="{3ACF7155-6A31-3C21-DC89-1D5282CC9805}"/>
               </a:ext>
             </a:extLst>
           </p:cNvPr>
@@ -5099,230 +5001,76 @@
             <p:ph type="title"/>
           </p:nvPr>
         </p:nvSpPr>
-        <p:spPr/>
-        <p:txBody>
-          <a:bodyPr/>
+        <p:spPr>
+          <a:xfrm>
+            <a:off x="2847" y="-3815"/>
+            <a:ext cx="9138304" cy="999971"/>
+          </a:xfrm>
+        </p:spPr>
+        <p:txBody>
+          <a:bodyPr vert="horz" lIns="91440" tIns="45720" rIns="91440" bIns="45720" rtlCol="0" anchor="ctr">
+            <a:normAutofit/>
+          </a:bodyPr>
           <a:lstStyle/>
           <a:p>
+            <a:pPr algn="ctr"/>
             <a:r>
               <a:rPr lang="pt-BR" dirty="0">
                 <a:latin typeface="Open Sans"/>
                 <a:ea typeface="Open Sans"/>
                 <a:cs typeface="Open Sans"/>
               </a:rPr>
-              <a:t>Tecnologias aplicadas </a:t>
+              <a:t>C4 Model</a:t>
             </a:r>
             <a:endParaRPr lang="pt-BR" dirty="0"/>
           </a:p>
         </p:txBody>
       </p:sp>
-      <p:sp>
-        <p:nvSpPr>
-          <p:cNvPr id="3" name="Espaço Reservado para Conteúdo 2">
+      <p:pic>
+        <p:nvPicPr>
+          <p:cNvPr id="3" name="Imagem 2" descr="Diagrama&#10;&#10;Descrição gerada automaticamente">
             <a:extLst>
               <a:ext uri="{FF2B5EF4-FFF2-40B4-BE49-F238E27FC236}">
-                <a16:creationId xmlns:a16="http://schemas.microsoft.com/office/drawing/2014/main" id="{FBBB4EAE-9CE8-DB07-3EA7-0306D659DF5D}"/>
+                <a16:creationId xmlns:a16="http://schemas.microsoft.com/office/drawing/2014/main" id="{D5363B08-E312-058D-FE1D-0580761606C6}"/>
               </a:ext>
             </a:extLst>
           </p:cNvPr>
-          <p:cNvSpPr>
-            <a:spLocks noGrp="1"/>
-          </p:cNvSpPr>
-          <p:nvPr>
-            <p:ph idx="1"/>
-          </p:nvPr>
-        </p:nvSpPr>
-        <p:spPr/>
-        <p:txBody>
-          <a:bodyPr vert="horz" lIns="45720" tIns="45720" rIns="45720" bIns="45720" rtlCol="0" anchor="t">
-            <a:normAutofit/>
-          </a:bodyPr>
-          <a:lstStyle/>
-          <a:p>
-            <a:pPr marL="0" indent="0">
-              <a:spcAft>
-                <a:spcPts val="112"/>
-              </a:spcAft>
-              <a:buNone/>
-            </a:pPr>
-            <a:r>
-              <a:rPr lang="pt-BR" dirty="0">
-                <a:latin typeface="Open Sans"/>
-                <a:ea typeface="Open Sans"/>
-                <a:cs typeface="Open Sans"/>
-              </a:rPr>
-              <a:t>*  Front-</a:t>
-            </a:r>
-            <a:r>
-              <a:rPr lang="pt-BR" dirty="0" err="1">
-                <a:latin typeface="Open Sans"/>
-                <a:ea typeface="Open Sans"/>
-                <a:cs typeface="Open Sans"/>
-              </a:rPr>
-              <a:t>end</a:t>
-            </a:r>
-            <a:r>
-              <a:rPr lang="pt-BR" dirty="0">
-                <a:latin typeface="Open Sans"/>
-                <a:ea typeface="Open Sans"/>
-                <a:cs typeface="Open Sans"/>
-              </a:rPr>
-              <a:t> -&gt; </a:t>
-            </a:r>
-            <a:r>
-              <a:rPr lang="pt-BR" b="1" dirty="0" err="1">
-                <a:latin typeface="Open Sans"/>
-                <a:ea typeface="Open Sans"/>
-                <a:cs typeface="Open Sans"/>
-              </a:rPr>
-              <a:t>Typescript</a:t>
-            </a:r>
-            <a:r>
-              <a:rPr lang="pt-BR" b="1" dirty="0">
-                <a:latin typeface="Open Sans"/>
-                <a:ea typeface="Open Sans"/>
-                <a:cs typeface="Open Sans"/>
-              </a:rPr>
-              <a:t>, Angular 15 </a:t>
-            </a:r>
-            <a:r>
-              <a:rPr lang="pt-BR" dirty="0">
-                <a:latin typeface="Open Sans"/>
-                <a:ea typeface="Open Sans"/>
-                <a:cs typeface="Open Sans"/>
-              </a:rPr>
-              <a:t>/ Back-</a:t>
-            </a:r>
-            <a:r>
-              <a:rPr lang="pt-BR" dirty="0" err="1">
-                <a:latin typeface="Open Sans"/>
-                <a:ea typeface="Open Sans"/>
-                <a:cs typeface="Open Sans"/>
-              </a:rPr>
-              <a:t>end</a:t>
-            </a:r>
-            <a:r>
-              <a:rPr lang="pt-BR" dirty="0">
-                <a:latin typeface="Open Sans"/>
-                <a:ea typeface="Open Sans"/>
-                <a:cs typeface="Open Sans"/>
-              </a:rPr>
-              <a:t> -&gt;</a:t>
-            </a:r>
-            <a:r>
-              <a:rPr lang="pt-BR" b="1" dirty="0">
-                <a:latin typeface="Open Sans"/>
-                <a:ea typeface="Open Sans"/>
-                <a:cs typeface="Open Sans"/>
-              </a:rPr>
-              <a:t> Java 17, </a:t>
-            </a:r>
-            <a:r>
-              <a:rPr lang="pt-BR" b="1" dirty="0" err="1">
-                <a:latin typeface="Open Sans"/>
-                <a:ea typeface="Open Sans"/>
-                <a:cs typeface="Open Sans"/>
-              </a:rPr>
-              <a:t>SpringBoot</a:t>
-            </a:r>
-            <a:r>
-              <a:rPr lang="pt-BR" b="1" dirty="0">
-                <a:latin typeface="Open Sans"/>
-                <a:ea typeface="Open Sans"/>
-                <a:cs typeface="Open Sans"/>
-              </a:rPr>
-              <a:t> 3</a:t>
-            </a:r>
-          </a:p>
-          <a:p>
-            <a:pPr marL="0" indent="0">
-              <a:spcAft>
-                <a:spcPts val="112"/>
-              </a:spcAft>
-              <a:buNone/>
-            </a:pPr>
-            <a:r>
-              <a:rPr lang="pt-BR" dirty="0">
-                <a:latin typeface="Open Sans"/>
-                <a:ea typeface="Open Sans"/>
-                <a:cs typeface="Open Sans"/>
-              </a:rPr>
-              <a:t>*  </a:t>
-            </a:r>
-            <a:r>
-              <a:rPr lang="pt-BR" dirty="0">
-                <a:latin typeface="Open Sans" panose="020B0604020202020204" pitchFamily="34" charset="0"/>
-                <a:ea typeface="Open Sans" panose="020B0604020202020204" pitchFamily="34" charset="0"/>
-                <a:cs typeface="Open Sans" panose="020B0604020202020204" pitchFamily="34" charset="0"/>
-              </a:rPr>
-              <a:t>AWS </a:t>
-            </a:r>
-            <a:r>
-              <a:rPr lang="pt-BR" dirty="0" err="1">
-                <a:latin typeface="Open Sans" panose="020B0604020202020204" pitchFamily="34" charset="0"/>
-                <a:ea typeface="Open Sans" panose="020B0604020202020204" pitchFamily="34" charset="0"/>
-                <a:cs typeface="Open Sans" panose="020B0604020202020204" pitchFamily="34" charset="0"/>
-              </a:rPr>
-              <a:t>Database</a:t>
-            </a:r>
-            <a:r>
-              <a:rPr lang="pt-BR" dirty="0">
-                <a:latin typeface="Open Sans" panose="020B0604020202020204" pitchFamily="34" charset="0"/>
-                <a:ea typeface="Open Sans" panose="020B0604020202020204" pitchFamily="34" charset="0"/>
-                <a:cs typeface="Open Sans" panose="020B0604020202020204" pitchFamily="34" charset="0"/>
-              </a:rPr>
-              <a:t> Services</a:t>
-            </a:r>
-          </a:p>
-          <a:p>
-            <a:pPr marL="0" indent="0">
-              <a:spcAft>
-                <a:spcPts val="112"/>
-              </a:spcAft>
-              <a:buNone/>
-            </a:pPr>
-            <a:r>
-              <a:rPr lang="pt-BR" dirty="0">
-                <a:latin typeface="Open Sans"/>
-                <a:ea typeface="Open Sans"/>
-                <a:cs typeface="Open Sans"/>
-              </a:rPr>
-              <a:t>*  ferramentas</a:t>
-            </a:r>
-          </a:p>
-          <a:p>
-            <a:pPr marL="0" indent="0">
-              <a:spcAft>
-                <a:spcPts val="112"/>
-              </a:spcAft>
-              <a:buNone/>
-            </a:pPr>
-            <a:r>
-              <a:rPr lang="pt-BR" dirty="0">
-                <a:latin typeface="Open Sans"/>
-                <a:ea typeface="Open Sans"/>
-                <a:cs typeface="Open Sans"/>
-              </a:rPr>
-              <a:t>*  bibliotecas </a:t>
-            </a:r>
-          </a:p>
-        </p:txBody>
-      </p:sp>
+          <p:cNvPicPr>
+            <a:picLocks noChangeAspect="1"/>
+          </p:cNvPicPr>
+          <p:nvPr/>
+        </p:nvPicPr>
+        <p:blipFill>
+          <a:blip r:embed="rId2"/>
+          <a:stretch>
+            <a:fillRect/>
+          </a:stretch>
+        </p:blipFill>
+        <p:spPr>
+          <a:xfrm>
+            <a:off x="1250989" y="1250791"/>
+            <a:ext cx="6627997" cy="4356417"/>
+          </a:xfrm>
+          <a:prstGeom prst="rect">
+            <a:avLst/>
+          </a:prstGeom>
+        </p:spPr>
+      </p:pic>
     </p:spTree>
     <p:extLst>
       <p:ext uri="{BB962C8B-B14F-4D97-AF65-F5344CB8AC3E}">
-        <p14:creationId xmlns:p14="http://schemas.microsoft.com/office/powerpoint/2010/main" val="2992657784"/>
+        <p14:creationId xmlns:p14="http://schemas.microsoft.com/office/powerpoint/2010/main" val="2633470252"/>
       </p:ext>
     </p:extLst>
   </p:cSld>
   <p:clrMapOvr>
     <a:masterClrMapping/>
   </p:clrMapOvr>
-  <mc:AlternateContent xmlns:mc="http://schemas.openxmlformats.org/markup-compatibility/2006" xmlns:p14="http://schemas.microsoft.com/office/powerpoint/2010/main">
-    <mc:Choice Requires="p14">
+  <mc:AlternateContent xmlns:mc="http://schemas.openxmlformats.org/markup-compatibility/2006">
+    <mc:Choice xmlns:p14="http://schemas.microsoft.com/office/powerpoint/2010/main" Requires="p14">
       <p:transition p14:dur="0"/>
     </mc:Choice>
-    <mc:Fallback xmlns="">
+    <mc:Fallback>
       <p:transition/>
     </mc:Fallback>
   </mc:AlternateContent>
@@ -5351,6 +5099,1257 @@
           <p:cNvPr id="2" name="Título 1">
             <a:extLst>
               <a:ext uri="{FF2B5EF4-FFF2-40B4-BE49-F238E27FC236}">
+                <a16:creationId xmlns:a16="http://schemas.microsoft.com/office/drawing/2014/main" id="{3ACF7155-6A31-3C21-DC89-1D5282CC9805}"/>
+              </a:ext>
+            </a:extLst>
+          </p:cNvPr>
+          <p:cNvSpPr>
+            <a:spLocks noGrp="1"/>
+          </p:cNvSpPr>
+          <p:nvPr>
+            <p:ph type="title"/>
+          </p:nvPr>
+        </p:nvSpPr>
+        <p:spPr>
+          <a:xfrm>
+            <a:off x="2847" y="-3815"/>
+            <a:ext cx="9138304" cy="999971"/>
+          </a:xfrm>
+        </p:spPr>
+        <p:txBody>
+          <a:bodyPr vert="horz" lIns="91440" tIns="45720" rIns="91440" bIns="45720" rtlCol="0" anchor="ctr">
+            <a:normAutofit/>
+          </a:bodyPr>
+          <a:lstStyle/>
+          <a:p>
+            <a:pPr algn="ctr"/>
+            <a:r>
+              <a:rPr lang="pt-BR" dirty="0">
+                <a:latin typeface="Open Sans"/>
+                <a:ea typeface="Open Sans"/>
+                <a:cs typeface="Open Sans"/>
+              </a:rPr>
+              <a:t>C4 Model</a:t>
+            </a:r>
+            <a:endParaRPr lang="pt-BR" dirty="0"/>
+          </a:p>
+        </p:txBody>
+      </p:sp>
+      <p:pic>
+        <p:nvPicPr>
+          <p:cNvPr id="4" name="Imagem 3" descr="Diagrama&#10;&#10;Descrição gerada automaticamente">
+            <a:extLst>
+              <a:ext uri="{FF2B5EF4-FFF2-40B4-BE49-F238E27FC236}">
+                <a16:creationId xmlns:a16="http://schemas.microsoft.com/office/drawing/2014/main" id="{768856A4-E328-BF73-4BE4-62201B22C818}"/>
+              </a:ext>
+            </a:extLst>
+          </p:cNvPr>
+          <p:cNvPicPr>
+            <a:picLocks noChangeAspect="1"/>
+          </p:cNvPicPr>
+          <p:nvPr/>
+        </p:nvPicPr>
+        <p:blipFill>
+          <a:blip r:embed="rId2"/>
+          <a:stretch>
+            <a:fillRect/>
+          </a:stretch>
+        </p:blipFill>
+        <p:spPr>
+          <a:xfrm>
+            <a:off x="1896118" y="1257110"/>
+            <a:ext cx="5351764" cy="4357804"/>
+          </a:xfrm>
+          <a:prstGeom prst="rect">
+            <a:avLst/>
+          </a:prstGeom>
+        </p:spPr>
+      </p:pic>
+    </p:spTree>
+    <p:extLst>
+      <p:ext uri="{BB962C8B-B14F-4D97-AF65-F5344CB8AC3E}">
+        <p14:creationId xmlns:p14="http://schemas.microsoft.com/office/powerpoint/2010/main" val="1369342886"/>
+      </p:ext>
+    </p:extLst>
+  </p:cSld>
+  <p:clrMapOvr>
+    <a:masterClrMapping/>
+  </p:clrMapOvr>
+  <mc:AlternateContent xmlns:mc="http://schemas.openxmlformats.org/markup-compatibility/2006">
+    <mc:Choice xmlns:p14="http://schemas.microsoft.com/office/powerpoint/2010/main" Requires="p14">
+      <p:transition p14:dur="0"/>
+    </mc:Choice>
+    <mc:Fallback>
+      <p:transition/>
+    </mc:Fallback>
+  </mc:AlternateContent>
+</p:sld>
+</file>
+
+<file path=ppt/slides/slide13.xml><?xml version="1.0" encoding="utf-8"?>
+<p:sld xmlns:a="http://schemas.openxmlformats.org/drawingml/2006/main" xmlns:r="http://schemas.openxmlformats.org/officeDocument/2006/relationships" xmlns:p="http://schemas.openxmlformats.org/presentationml/2006/main">
+  <p:cSld>
+    <p:spTree>
+      <p:nvGrpSpPr>
+        <p:cNvPr id="1" name=""/>
+        <p:cNvGrpSpPr/>
+        <p:nvPr/>
+      </p:nvGrpSpPr>
+      <p:grpSpPr>
+        <a:xfrm>
+          <a:off x="0" y="0"/>
+          <a:ext cx="0" cy="0"/>
+          <a:chOff x="0" y="0"/>
+          <a:chExt cx="0" cy="0"/>
+        </a:xfrm>
+      </p:grpSpPr>
+      <p:sp>
+        <p:nvSpPr>
+          <p:cNvPr id="2" name="Título 1">
+            <a:extLst>
+              <a:ext uri="{FF2B5EF4-FFF2-40B4-BE49-F238E27FC236}">
+                <a16:creationId xmlns:a16="http://schemas.microsoft.com/office/drawing/2014/main" id="{B6C544B0-848D-8158-5725-CF387AAD9A59}"/>
+              </a:ext>
+            </a:extLst>
+          </p:cNvPr>
+          <p:cNvSpPr>
+            <a:spLocks noGrp="1"/>
+          </p:cNvSpPr>
+          <p:nvPr>
+            <p:ph type="title"/>
+          </p:nvPr>
+        </p:nvSpPr>
+        <p:spPr/>
+        <p:txBody>
+          <a:bodyPr/>
+          <a:lstStyle/>
+          <a:p>
+            <a:r>
+              <a:rPr lang="pt-BR" dirty="0">
+                <a:latin typeface="Open Sans"/>
+                <a:ea typeface="Open Sans"/>
+                <a:cs typeface="Open Sans"/>
+              </a:rPr>
+              <a:t>Pacotes do </a:t>
+            </a:r>
+            <a:r>
+              <a:rPr lang="pt-BR" dirty="0" err="1">
+                <a:latin typeface="Open Sans"/>
+                <a:ea typeface="Open Sans"/>
+                <a:cs typeface="Open Sans"/>
+              </a:rPr>
+              <a:t>Feature</a:t>
+            </a:r>
+            <a:r>
+              <a:rPr lang="pt-BR" dirty="0">
+                <a:latin typeface="Open Sans"/>
+                <a:ea typeface="Open Sans"/>
+                <a:cs typeface="Open Sans"/>
+              </a:rPr>
+              <a:t> </a:t>
+            </a:r>
+            <a:r>
+              <a:rPr lang="pt-BR" dirty="0" err="1">
+                <a:latin typeface="Open Sans"/>
+                <a:ea typeface="Open Sans"/>
+                <a:cs typeface="Open Sans"/>
+              </a:rPr>
+              <a:t>Driven</a:t>
+            </a:r>
+            <a:r>
+              <a:rPr lang="pt-BR" dirty="0">
+                <a:latin typeface="Open Sans"/>
+                <a:ea typeface="Open Sans"/>
+                <a:cs typeface="Open Sans"/>
+              </a:rPr>
+              <a:t> </a:t>
+            </a:r>
+            <a:r>
+              <a:rPr lang="pt-BR" dirty="0" err="1">
+                <a:latin typeface="Open Sans"/>
+                <a:ea typeface="Open Sans"/>
+                <a:cs typeface="Open Sans"/>
+              </a:rPr>
+              <a:t>Development</a:t>
+            </a:r>
+            <a:r>
+              <a:rPr lang="pt-BR" dirty="0">
+                <a:latin typeface="Open Sans"/>
+                <a:ea typeface="Open Sans"/>
+                <a:cs typeface="Open Sans"/>
+              </a:rPr>
+              <a:t> (FDD)</a:t>
+            </a:r>
+            <a:br>
+              <a:rPr lang="pt-BR" dirty="0">
+                <a:latin typeface="Open Sans"/>
+                <a:ea typeface="Open Sans"/>
+                <a:cs typeface="Open Sans"/>
+              </a:rPr>
+            </a:br>
+            <a:r>
+              <a:rPr lang="pt-BR" sz="1600" b="1" dirty="0">
+                <a:solidFill>
+                  <a:srgbClr val="2E2B21"/>
+                </a:solidFill>
+                <a:latin typeface="Open Sans"/>
+                <a:ea typeface="Open Sans"/>
+                <a:cs typeface="Open Sans"/>
+              </a:rPr>
+              <a:t>(Requisito)</a:t>
+            </a:r>
+            <a:endParaRPr lang="pt-BR" dirty="0"/>
+          </a:p>
+        </p:txBody>
+      </p:sp>
+      <p:sp>
+        <p:nvSpPr>
+          <p:cNvPr id="3" name="Espaço Reservado para Conteúdo 2">
+            <a:extLst>
+              <a:ext uri="{FF2B5EF4-FFF2-40B4-BE49-F238E27FC236}">
+                <a16:creationId xmlns:a16="http://schemas.microsoft.com/office/drawing/2014/main" id="{A44A1580-0851-0045-92EC-CC870A25E093}"/>
+              </a:ext>
+            </a:extLst>
+          </p:cNvPr>
+          <p:cNvSpPr>
+            <a:spLocks noGrp="1"/>
+          </p:cNvSpPr>
+          <p:nvPr>
+            <p:ph idx="1"/>
+          </p:nvPr>
+        </p:nvSpPr>
+        <p:spPr/>
+        <p:txBody>
+          <a:bodyPr vert="horz" lIns="45720" tIns="45720" rIns="45720" bIns="45720" rtlCol="0" anchor="t">
+            <a:normAutofit/>
+          </a:bodyPr>
+          <a:lstStyle/>
+          <a:p>
+            <a:pPr marL="185420" indent="-185420">
+              <a:spcAft>
+                <a:spcPts val="112"/>
+              </a:spcAft>
+            </a:pPr>
+            <a:r>
+              <a:rPr lang="pt-BR" sz="1600" b="1" dirty="0">
+                <a:latin typeface="Open Sans"/>
+                <a:ea typeface="Open Sans"/>
+                <a:cs typeface="Open Sans"/>
+              </a:rPr>
+              <a:t>Página inicial com navegação, busca, interação e clareza para diferentes funcionalidades.</a:t>
+            </a:r>
+            <a:endParaRPr lang="pt-BR" sz="1600" b="1"/>
+          </a:p>
+          <a:p>
+            <a:pPr marL="185420" indent="-185420">
+              <a:spcAft>
+                <a:spcPts val="112"/>
+              </a:spcAft>
+            </a:pPr>
+            <a:r>
+              <a:rPr lang="pt-BR" sz="1600" b="1" dirty="0">
+                <a:latin typeface="Open Sans"/>
+                <a:ea typeface="Open Sans"/>
+                <a:cs typeface="Open Sans"/>
+              </a:rPr>
+              <a:t>Permitir contato direto pra empresa pelo </a:t>
+            </a:r>
+            <a:r>
+              <a:rPr lang="pt-BR" sz="1600" b="1" dirty="0" err="1">
+                <a:latin typeface="Open Sans"/>
+                <a:ea typeface="Open Sans"/>
+                <a:cs typeface="Open Sans"/>
+              </a:rPr>
+              <a:t>Whatsapp</a:t>
+            </a:r>
+            <a:r>
+              <a:rPr lang="pt-BR" sz="1600" b="1" dirty="0">
+                <a:latin typeface="Open Sans"/>
+                <a:ea typeface="Open Sans"/>
+                <a:cs typeface="Open Sans"/>
+              </a:rPr>
+              <a:t> Business.</a:t>
+            </a:r>
+          </a:p>
+          <a:p>
+            <a:pPr marL="185420" indent="-185420">
+              <a:spcAft>
+                <a:spcPts val="112"/>
+              </a:spcAft>
+            </a:pPr>
+            <a:r>
+              <a:rPr lang="pt-BR" sz="1600" b="1" dirty="0">
+                <a:latin typeface="Open Sans"/>
+                <a:ea typeface="Open Sans"/>
+                <a:cs typeface="Open Sans"/>
+              </a:rPr>
+              <a:t>Autenticação com </a:t>
+            </a:r>
+            <a:r>
+              <a:rPr lang="pt-BR" sz="1600" b="1" dirty="0" err="1">
+                <a:latin typeface="Open Sans"/>
+                <a:ea typeface="Open Sans"/>
+                <a:cs typeface="Open Sans"/>
+              </a:rPr>
+              <a:t>OAuth</a:t>
+            </a:r>
+            <a:r>
+              <a:rPr lang="pt-BR" sz="1600" b="1" dirty="0">
+                <a:latin typeface="Open Sans"/>
+                <a:ea typeface="Open Sans"/>
+                <a:cs typeface="Open Sans"/>
+              </a:rPr>
+              <a:t> (Autenticação Google)</a:t>
+            </a:r>
+            <a:endParaRPr lang="pt-BR" sz="1600" dirty="0"/>
+          </a:p>
+        </p:txBody>
+      </p:sp>
+    </p:spTree>
+    <p:extLst>
+      <p:ext uri="{BB962C8B-B14F-4D97-AF65-F5344CB8AC3E}">
+        <p14:creationId xmlns:p14="http://schemas.microsoft.com/office/powerpoint/2010/main" val="2617297823"/>
+      </p:ext>
+    </p:extLst>
+  </p:cSld>
+  <p:clrMapOvr>
+    <a:masterClrMapping/>
+  </p:clrMapOvr>
+  <mc:AlternateContent xmlns:mc="http://schemas.openxmlformats.org/markup-compatibility/2006" xmlns:p14="http://schemas.microsoft.com/office/powerpoint/2010/main">
+    <mc:Choice Requires="p14">
+      <p:transition p14:dur="0"/>
+    </mc:Choice>
+    <mc:Fallback xmlns="">
+      <p:transition/>
+    </mc:Fallback>
+  </mc:AlternateContent>
+</p:sld>
+</file>
+
+<file path=ppt/slides/slide14.xml><?xml version="1.0" encoding="utf-8"?>
+<p:sld xmlns:a="http://schemas.openxmlformats.org/drawingml/2006/main" xmlns:r="http://schemas.openxmlformats.org/officeDocument/2006/relationships" xmlns:p="http://schemas.openxmlformats.org/presentationml/2006/main">
+  <p:cSld>
+    <p:spTree>
+      <p:nvGrpSpPr>
+        <p:cNvPr id="1" name=""/>
+        <p:cNvGrpSpPr/>
+        <p:nvPr/>
+      </p:nvGrpSpPr>
+      <p:grpSpPr>
+        <a:xfrm>
+          <a:off x="0" y="0"/>
+          <a:ext cx="0" cy="0"/>
+          <a:chOff x="0" y="0"/>
+          <a:chExt cx="0" cy="0"/>
+        </a:xfrm>
+      </p:grpSpPr>
+      <p:sp>
+        <p:nvSpPr>
+          <p:cNvPr id="2" name="Título 1">
+            <a:extLst>
+              <a:ext uri="{FF2B5EF4-FFF2-40B4-BE49-F238E27FC236}">
+                <a16:creationId xmlns:a16="http://schemas.microsoft.com/office/drawing/2014/main" id="{D0F74A3F-370C-21EC-3EBC-4ECA0BC036B9}"/>
+              </a:ext>
+            </a:extLst>
+          </p:cNvPr>
+          <p:cNvSpPr>
+            <a:spLocks noGrp="1"/>
+          </p:cNvSpPr>
+          <p:nvPr>
+            <p:ph type="title"/>
+          </p:nvPr>
+        </p:nvSpPr>
+        <p:spPr/>
+        <p:txBody>
+          <a:bodyPr/>
+          <a:lstStyle/>
+          <a:p>
+            <a:r>
+              <a:rPr lang="pt-BR">
+                <a:latin typeface="Open Sans"/>
+                <a:ea typeface="Open Sans"/>
+                <a:cs typeface="Open Sans"/>
+              </a:rPr>
+              <a:t>Tecnologias aplicadas </a:t>
+            </a:r>
+            <a:endParaRPr lang="pt-BR"/>
+          </a:p>
+        </p:txBody>
+      </p:sp>
+      <p:sp>
+        <p:nvSpPr>
+          <p:cNvPr id="3" name="Espaço Reservado para Conteúdo 2">
+            <a:extLst>
+              <a:ext uri="{FF2B5EF4-FFF2-40B4-BE49-F238E27FC236}">
+                <a16:creationId xmlns:a16="http://schemas.microsoft.com/office/drawing/2014/main" id="{FBBB4EAE-9CE8-DB07-3EA7-0306D659DF5D}"/>
+              </a:ext>
+            </a:extLst>
+          </p:cNvPr>
+          <p:cNvSpPr>
+            <a:spLocks noGrp="1"/>
+          </p:cNvSpPr>
+          <p:nvPr>
+            <p:ph idx="1"/>
+          </p:nvPr>
+        </p:nvSpPr>
+        <p:spPr/>
+        <p:txBody>
+          <a:bodyPr vert="horz" lIns="45720" tIns="45720" rIns="45720" bIns="45720" rtlCol="0" anchor="t">
+            <a:normAutofit/>
+          </a:bodyPr>
+          <a:lstStyle/>
+          <a:p>
+            <a:pPr marL="0" indent="0">
+              <a:spcAft>
+                <a:spcPts val="112"/>
+              </a:spcAft>
+              <a:buNone/>
+            </a:pPr>
+            <a:r>
+              <a:rPr lang="pt-BR" b="1" dirty="0">
+                <a:latin typeface="Open Sans"/>
+                <a:ea typeface="Open Sans"/>
+                <a:cs typeface="Open Sans"/>
+              </a:rPr>
+              <a:t>Front-</a:t>
+            </a:r>
+            <a:r>
+              <a:rPr lang="pt-BR" b="1" err="1">
+                <a:latin typeface="Open Sans"/>
+                <a:ea typeface="Open Sans"/>
+                <a:cs typeface="Open Sans"/>
+              </a:rPr>
+              <a:t>end</a:t>
+            </a:r>
+            <a:br>
+              <a:rPr lang="pt-BR" dirty="0">
+                <a:latin typeface="Open Sans"/>
+                <a:ea typeface="Open Sans"/>
+                <a:cs typeface="Open Sans"/>
+              </a:rPr>
+            </a:br>
+            <a:r>
+              <a:rPr lang="pt-BR" err="1">
+                <a:latin typeface="Open Sans"/>
+                <a:ea typeface="Open Sans"/>
+                <a:cs typeface="Open Sans"/>
+              </a:rPr>
+              <a:t>Typescript</a:t>
+            </a:r>
+            <a:r>
+              <a:rPr lang="pt-BR" dirty="0">
+                <a:latin typeface="Open Sans"/>
+                <a:ea typeface="Open Sans"/>
+                <a:cs typeface="Open Sans"/>
+              </a:rPr>
+              <a:t>, Angular 15</a:t>
+            </a:r>
+            <a:endParaRPr lang="pt-BR" dirty="0"/>
+          </a:p>
+          <a:p>
+            <a:pPr marL="0" indent="0">
+              <a:spcAft>
+                <a:spcPts val="112"/>
+              </a:spcAft>
+              <a:buNone/>
+            </a:pPr>
+            <a:endParaRPr lang="pt-BR" dirty="0">
+              <a:latin typeface="Open Sans"/>
+              <a:ea typeface="Open Sans"/>
+              <a:cs typeface="Open Sans"/>
+            </a:endParaRPr>
+          </a:p>
+          <a:p>
+            <a:pPr marL="0" indent="0">
+              <a:spcAft>
+                <a:spcPts val="112"/>
+              </a:spcAft>
+              <a:buNone/>
+            </a:pPr>
+            <a:r>
+              <a:rPr lang="pt-BR" b="1">
+                <a:latin typeface="Open Sans"/>
+                <a:ea typeface="Open Sans"/>
+                <a:cs typeface="Open Sans"/>
+              </a:rPr>
+              <a:t>Back-</a:t>
+            </a:r>
+            <a:r>
+              <a:rPr lang="pt-BR" b="1" err="1">
+                <a:latin typeface="Open Sans"/>
+                <a:ea typeface="Open Sans"/>
+                <a:cs typeface="Open Sans"/>
+              </a:rPr>
+              <a:t>end</a:t>
+            </a:r>
+            <a:endParaRPr lang="pt-BR" b="1" dirty="0" err="1"/>
+          </a:p>
+          <a:p>
+            <a:pPr marL="0" indent="0">
+              <a:spcAft>
+                <a:spcPts val="112"/>
+              </a:spcAft>
+              <a:buNone/>
+            </a:pPr>
+            <a:r>
+              <a:rPr lang="pt-BR" dirty="0">
+                <a:latin typeface="Open Sans"/>
+                <a:ea typeface="Open Sans"/>
+                <a:cs typeface="Open Sans"/>
+              </a:rPr>
+              <a:t>Java 17, </a:t>
+            </a:r>
+            <a:r>
+              <a:rPr lang="pt-BR" err="1">
+                <a:latin typeface="Open Sans"/>
+                <a:ea typeface="Open Sans"/>
+                <a:cs typeface="Open Sans"/>
+              </a:rPr>
+              <a:t>SpringBoot</a:t>
+            </a:r>
+            <a:r>
+              <a:rPr lang="pt-BR" dirty="0">
+                <a:latin typeface="Open Sans"/>
+                <a:ea typeface="Open Sans"/>
+                <a:cs typeface="Open Sans"/>
+              </a:rPr>
+              <a:t> 3</a:t>
+            </a:r>
+            <a:endParaRPr lang="pt-BR"/>
+          </a:p>
+          <a:p>
+            <a:pPr marL="0" indent="0">
+              <a:spcAft>
+                <a:spcPts val="112"/>
+              </a:spcAft>
+              <a:buNone/>
+            </a:pPr>
+            <a:endParaRPr lang="pt-BR" dirty="0">
+              <a:latin typeface="Open Sans"/>
+              <a:ea typeface="Open Sans"/>
+              <a:cs typeface="Open Sans"/>
+            </a:endParaRPr>
+          </a:p>
+          <a:p>
+            <a:pPr marL="0" indent="0">
+              <a:spcAft>
+                <a:spcPts val="112"/>
+              </a:spcAft>
+              <a:buNone/>
+            </a:pPr>
+            <a:r>
+              <a:rPr lang="pt-BR" b="1" dirty="0">
+                <a:latin typeface="Open Sans"/>
+                <a:ea typeface="Open Sans"/>
+                <a:cs typeface="Open Sans"/>
+              </a:rPr>
+              <a:t>Cloud</a:t>
+            </a:r>
+          </a:p>
+          <a:p>
+            <a:pPr marL="0" indent="0">
+              <a:spcAft>
+                <a:spcPts val="112"/>
+              </a:spcAft>
+              <a:buNone/>
+            </a:pPr>
+            <a:r>
+              <a:rPr lang="pt-BR" dirty="0">
+                <a:latin typeface="Open Sans"/>
+                <a:ea typeface="Open Sans"/>
+                <a:cs typeface="Open Sans"/>
+              </a:rPr>
+              <a:t>AWS </a:t>
+            </a:r>
+            <a:r>
+              <a:rPr lang="pt-BR" err="1">
+                <a:latin typeface="Open Sans"/>
+                <a:ea typeface="Open Sans"/>
+                <a:cs typeface="Open Sans"/>
+              </a:rPr>
+              <a:t>Database</a:t>
+            </a:r>
+            <a:r>
+              <a:rPr lang="pt-BR" dirty="0">
+                <a:latin typeface="Open Sans"/>
+                <a:ea typeface="Open Sans"/>
+                <a:cs typeface="Open Sans"/>
+              </a:rPr>
+              <a:t> Services</a:t>
+            </a:r>
+            <a:endParaRPr lang="pt-BR"/>
+          </a:p>
+        </p:txBody>
+      </p:sp>
+    </p:spTree>
+    <p:extLst>
+      <p:ext uri="{BB962C8B-B14F-4D97-AF65-F5344CB8AC3E}">
+        <p14:creationId xmlns:p14="http://schemas.microsoft.com/office/powerpoint/2010/main" val="2992657784"/>
+      </p:ext>
+    </p:extLst>
+  </p:cSld>
+  <p:clrMapOvr>
+    <a:masterClrMapping/>
+  </p:clrMapOvr>
+  <mc:AlternateContent xmlns:mc="http://schemas.openxmlformats.org/markup-compatibility/2006" xmlns:p14="http://schemas.microsoft.com/office/powerpoint/2010/main">
+    <mc:Choice Requires="p14">
+      <p:transition p14:dur="0"/>
+    </mc:Choice>
+    <mc:Fallback xmlns="">
+      <p:transition/>
+    </mc:Fallback>
+  </mc:AlternateContent>
+</p:sld>
+</file>
+
+<file path=ppt/slides/slide15.xml><?xml version="1.0" encoding="utf-8"?>
+<p:sld xmlns:a="http://schemas.openxmlformats.org/drawingml/2006/main" xmlns:r="http://schemas.openxmlformats.org/officeDocument/2006/relationships" xmlns:p="http://schemas.openxmlformats.org/presentationml/2006/main">
+  <p:cSld>
+    <p:spTree>
+      <p:nvGrpSpPr>
+        <p:cNvPr id="1" name=""/>
+        <p:cNvGrpSpPr/>
+        <p:nvPr/>
+      </p:nvGrpSpPr>
+      <p:grpSpPr>
+        <a:xfrm>
+          <a:off x="0" y="0"/>
+          <a:ext cx="0" cy="0"/>
+          <a:chOff x="0" y="0"/>
+          <a:chExt cx="0" cy="0"/>
+        </a:xfrm>
+      </p:grpSpPr>
+      <p:sp>
+        <p:nvSpPr>
+          <p:cNvPr id="3" name="Espaço Reservado para Conteúdo 2">
+            <a:extLst>
+              <a:ext uri="{FF2B5EF4-FFF2-40B4-BE49-F238E27FC236}">
+                <a16:creationId xmlns:a16="http://schemas.microsoft.com/office/drawing/2014/main" id="{FBBB4EAE-9CE8-DB07-3EA7-0306D659DF5D}"/>
+              </a:ext>
+            </a:extLst>
+          </p:cNvPr>
+          <p:cNvSpPr>
+            <a:spLocks noGrp="1"/>
+          </p:cNvSpPr>
+          <p:nvPr>
+            <p:ph idx="1"/>
+          </p:nvPr>
+        </p:nvSpPr>
+        <p:spPr>
+          <a:xfrm>
+            <a:off x="2850" y="1"/>
+            <a:ext cx="9180375" cy="6098991"/>
+          </a:xfrm>
+        </p:spPr>
+        <p:txBody>
+          <a:bodyPr vert="horz" lIns="45720" tIns="45720" rIns="45720" bIns="45720" rtlCol="0" anchor="ctr">
+            <a:normAutofit/>
+          </a:bodyPr>
+          <a:lstStyle/>
+          <a:p>
+            <a:pPr marL="0" indent="0" algn="ctr">
+              <a:spcAft>
+                <a:spcPts val="112"/>
+              </a:spcAft>
+              <a:buNone/>
+            </a:pPr>
+            <a:r>
+              <a:rPr lang="pt-BR" sz="2800" b="1" dirty="0">
+                <a:latin typeface="Open Sans"/>
+                <a:ea typeface="Open Sans"/>
+                <a:cs typeface="Open Sans"/>
+              </a:rPr>
+              <a:t>Ferramentas</a:t>
+            </a:r>
+            <a:endParaRPr lang="pt-BR" sz="2800" dirty="0">
+              <a:latin typeface="Open Sans"/>
+              <a:ea typeface="Open Sans"/>
+              <a:cs typeface="Open Sans"/>
+            </a:endParaRPr>
+          </a:p>
+          <a:p>
+            <a:pPr marL="514350" indent="-514350" algn="ctr">
+              <a:spcAft>
+                <a:spcPts val="112"/>
+              </a:spcAft>
+              <a:buAutoNum type="arabicPeriod"/>
+            </a:pPr>
+            <a:endParaRPr lang="pt-BR" sz="2800" b="1" dirty="0">
+              <a:latin typeface="Open Sans"/>
+              <a:ea typeface="Open Sans"/>
+              <a:cs typeface="Open Sans"/>
+            </a:endParaRPr>
+          </a:p>
+          <a:p>
+            <a:pPr marL="514350" indent="-514350" algn="ctr">
+              <a:spcAft>
+                <a:spcPts val="112"/>
+              </a:spcAft>
+              <a:buAutoNum type="arabicPeriod"/>
+            </a:pPr>
+            <a:endParaRPr lang="pt-BR" sz="2800" b="1" dirty="0">
+              <a:latin typeface="Open Sans"/>
+              <a:ea typeface="Open Sans"/>
+              <a:cs typeface="Open Sans"/>
+            </a:endParaRPr>
+          </a:p>
+          <a:p>
+            <a:pPr marL="457200" indent="-457200">
+              <a:spcAft>
+                <a:spcPts val="112"/>
+              </a:spcAft>
+              <a:buAutoNum type="arabicPeriod"/>
+            </a:pPr>
+            <a:r>
+              <a:rPr lang="pt-BR" b="1" dirty="0">
+                <a:latin typeface="Open Sans"/>
+                <a:ea typeface="Open Sans"/>
+                <a:cs typeface="Open Sans"/>
+              </a:rPr>
+              <a:t>Angular CLI</a:t>
+            </a:r>
+            <a:endParaRPr lang="pt-BR">
+              <a:cs typeface="Open Sans"/>
+            </a:endParaRPr>
+          </a:p>
+          <a:p>
+            <a:pPr marL="457200" indent="-457200">
+              <a:spcAft>
+                <a:spcPts val="112"/>
+              </a:spcAft>
+              <a:buAutoNum type="arabicPeriod"/>
+            </a:pPr>
+            <a:r>
+              <a:rPr lang="pt-BR" b="1" dirty="0">
+                <a:latin typeface="Open Sans"/>
+                <a:ea typeface="Open Sans"/>
+                <a:cs typeface="Open Sans"/>
+              </a:rPr>
+              <a:t>Visual Studio </a:t>
+            </a:r>
+            <a:r>
+              <a:rPr lang="pt-BR" b="1" err="1">
+                <a:latin typeface="Open Sans"/>
+                <a:ea typeface="Open Sans"/>
+                <a:cs typeface="Open Sans"/>
+              </a:rPr>
+              <a:t>Code</a:t>
+            </a:r>
+            <a:endParaRPr lang="pt-BR">
+              <a:cs typeface="Open Sans"/>
+            </a:endParaRPr>
+          </a:p>
+          <a:p>
+            <a:pPr marL="457200" indent="-457200">
+              <a:spcAft>
+                <a:spcPts val="112"/>
+              </a:spcAft>
+              <a:buAutoNum type="arabicPeriod"/>
+            </a:pPr>
+            <a:r>
+              <a:rPr lang="pt-BR" b="1" err="1">
+                <a:latin typeface="Open Sans"/>
+                <a:ea typeface="Open Sans"/>
+                <a:cs typeface="Open Sans"/>
+              </a:rPr>
+              <a:t>Git</a:t>
+            </a:r>
+            <a:endParaRPr lang="pt-BR">
+              <a:cs typeface="Open Sans"/>
+            </a:endParaRPr>
+          </a:p>
+          <a:p>
+            <a:pPr marL="457200" indent="-457200">
+              <a:spcAft>
+                <a:spcPts val="112"/>
+              </a:spcAft>
+              <a:buAutoNum type="arabicPeriod"/>
+            </a:pPr>
+            <a:r>
+              <a:rPr lang="pt-BR" b="1" err="1">
+                <a:latin typeface="Open Sans"/>
+                <a:ea typeface="Open Sans"/>
+                <a:cs typeface="Open Sans"/>
+              </a:rPr>
+              <a:t>Postman</a:t>
+            </a:r>
+            <a:endParaRPr lang="pt-BR">
+              <a:cs typeface="Open Sans"/>
+            </a:endParaRPr>
+          </a:p>
+          <a:p>
+            <a:pPr marL="457200" indent="-457200">
+              <a:spcAft>
+                <a:spcPts val="112"/>
+              </a:spcAft>
+              <a:buAutoNum type="arabicPeriod"/>
+            </a:pPr>
+            <a:r>
+              <a:rPr lang="pt-BR" b="1" err="1">
+                <a:latin typeface="Open Sans"/>
+                <a:ea typeface="Open Sans"/>
+                <a:cs typeface="Open Sans"/>
+              </a:rPr>
+              <a:t>Trello</a:t>
+            </a:r>
+            <a:endParaRPr lang="pt-BR" sz="1200" dirty="0" err="1">
+              <a:cs typeface="Open Sans"/>
+            </a:endParaRPr>
+          </a:p>
+          <a:p>
+            <a:pPr marL="185420" indent="0">
+              <a:spcAft>
+                <a:spcPts val="112"/>
+              </a:spcAft>
+              <a:buNone/>
+            </a:pPr>
+            <a:endParaRPr lang="pt-BR" b="1" dirty="0">
+              <a:latin typeface="Segoe UI"/>
+              <a:ea typeface="Open Sans"/>
+              <a:cs typeface="Segoe UI"/>
+            </a:endParaRPr>
+          </a:p>
+          <a:p>
+            <a:pPr marL="185420" indent="-185420">
+              <a:spcAft>
+                <a:spcPts val="112"/>
+              </a:spcAft>
+              <a:buNone/>
+            </a:pPr>
+            <a:endParaRPr lang="pt-BR" dirty="0">
+              <a:latin typeface="Segoe UI"/>
+              <a:ea typeface="Open Sans"/>
+              <a:cs typeface="Segoe UI"/>
+            </a:endParaRPr>
+          </a:p>
+          <a:p>
+            <a:pPr marL="0" indent="0">
+              <a:spcAft>
+                <a:spcPts val="112"/>
+              </a:spcAft>
+              <a:buNone/>
+            </a:pPr>
+            <a:endParaRPr lang="pt-BR" b="1" dirty="0"/>
+          </a:p>
+        </p:txBody>
+      </p:sp>
+    </p:spTree>
+    <p:extLst>
+      <p:ext uri="{BB962C8B-B14F-4D97-AF65-F5344CB8AC3E}">
+        <p14:creationId xmlns:p14="http://schemas.microsoft.com/office/powerpoint/2010/main" val="2536538469"/>
+      </p:ext>
+    </p:extLst>
+  </p:cSld>
+  <p:clrMapOvr>
+    <a:masterClrMapping/>
+  </p:clrMapOvr>
+  <mc:AlternateContent xmlns:mc="http://schemas.openxmlformats.org/markup-compatibility/2006">
+    <mc:Choice xmlns:p14="http://schemas.microsoft.com/office/powerpoint/2010/main" Requires="p14">
+      <p:transition p14:dur="0"/>
+    </mc:Choice>
+    <mc:Fallback>
+      <p:transition/>
+    </mc:Fallback>
+  </mc:AlternateContent>
+</p:sld>
+</file>
+
+<file path=ppt/slides/slide16.xml><?xml version="1.0" encoding="utf-8"?>
+<p:sld xmlns:a="http://schemas.openxmlformats.org/drawingml/2006/main" xmlns:r="http://schemas.openxmlformats.org/officeDocument/2006/relationships" xmlns:p="http://schemas.openxmlformats.org/presentationml/2006/main">
+  <p:cSld>
+    <p:spTree>
+      <p:nvGrpSpPr>
+        <p:cNvPr id="1" name=""/>
+        <p:cNvGrpSpPr/>
+        <p:nvPr/>
+      </p:nvGrpSpPr>
+      <p:grpSpPr>
+        <a:xfrm>
+          <a:off x="0" y="0"/>
+          <a:ext cx="0" cy="0"/>
+          <a:chOff x="0" y="0"/>
+          <a:chExt cx="0" cy="0"/>
+        </a:xfrm>
+      </p:grpSpPr>
+      <p:sp>
+        <p:nvSpPr>
+          <p:cNvPr id="3" name="Espaço Reservado para Conteúdo 2">
+            <a:extLst>
+              <a:ext uri="{FF2B5EF4-FFF2-40B4-BE49-F238E27FC236}">
+                <a16:creationId xmlns:a16="http://schemas.microsoft.com/office/drawing/2014/main" id="{FBBB4EAE-9CE8-DB07-3EA7-0306D659DF5D}"/>
+              </a:ext>
+            </a:extLst>
+          </p:cNvPr>
+          <p:cNvSpPr>
+            <a:spLocks noGrp="1"/>
+          </p:cNvSpPr>
+          <p:nvPr>
+            <p:ph idx="1"/>
+          </p:nvPr>
+        </p:nvSpPr>
+        <p:spPr>
+          <a:xfrm>
+            <a:off x="2850" y="1"/>
+            <a:ext cx="9180375" cy="6098991"/>
+          </a:xfrm>
+        </p:spPr>
+        <p:txBody>
+          <a:bodyPr vert="horz" lIns="45720" tIns="45720" rIns="45720" bIns="45720" rtlCol="0" anchor="ctr">
+            <a:normAutofit/>
+          </a:bodyPr>
+          <a:lstStyle/>
+          <a:p>
+            <a:pPr marL="185420" indent="0">
+              <a:spcAft>
+                <a:spcPts val="112"/>
+              </a:spcAft>
+              <a:buNone/>
+            </a:pPr>
+            <a:endParaRPr lang="pt-BR" sz="2800" b="1" dirty="0">
+              <a:latin typeface="Segoe UI"/>
+              <a:ea typeface="Open Sans"/>
+              <a:cs typeface="Segoe UI"/>
+            </a:endParaRPr>
+          </a:p>
+          <a:p>
+            <a:pPr marL="185420" indent="0" algn="ctr">
+              <a:spcAft>
+                <a:spcPts val="112"/>
+              </a:spcAft>
+              <a:buNone/>
+            </a:pPr>
+            <a:r>
+              <a:rPr lang="pt-BR" sz="2800" b="1" dirty="0">
+                <a:latin typeface="Segoe UI"/>
+                <a:ea typeface="Open Sans"/>
+                <a:cs typeface="Segoe UI"/>
+              </a:rPr>
+              <a:t>Bibliotecas/Frameworks</a:t>
+            </a:r>
+            <a:endParaRPr lang="pt-BR" sz="2800" dirty="0">
+              <a:latin typeface="Segoe UI"/>
+              <a:ea typeface="Open Sans"/>
+              <a:cs typeface="Segoe UI"/>
+            </a:endParaRPr>
+          </a:p>
+          <a:p>
+            <a:pPr marL="185420" indent="0">
+              <a:spcAft>
+                <a:spcPts val="112"/>
+              </a:spcAft>
+              <a:buNone/>
+            </a:pPr>
+            <a:endParaRPr lang="pt-BR" sz="1900" b="1" dirty="0">
+              <a:latin typeface="Segoe UI"/>
+              <a:ea typeface="Open Sans"/>
+              <a:cs typeface="Segoe UI"/>
+            </a:endParaRPr>
+          </a:p>
+          <a:p>
+            <a:pPr marL="185420" indent="0">
+              <a:spcAft>
+                <a:spcPts val="112"/>
+              </a:spcAft>
+              <a:buNone/>
+            </a:pPr>
+            <a:endParaRPr lang="pt-BR" sz="1900" b="1" dirty="0">
+              <a:latin typeface="Segoe UI"/>
+              <a:ea typeface="Open Sans"/>
+              <a:cs typeface="Segoe UI"/>
+            </a:endParaRPr>
+          </a:p>
+          <a:p>
+            <a:pPr marL="457200" indent="-457200">
+              <a:spcAft>
+                <a:spcPts val="112"/>
+              </a:spcAft>
+              <a:buAutoNum type="arabicPeriod"/>
+            </a:pPr>
+            <a:r>
+              <a:rPr lang="pt-BR" b="1" dirty="0">
+                <a:latin typeface="Open Sans"/>
+                <a:ea typeface="Open Sans"/>
+                <a:cs typeface="Arial"/>
+              </a:rPr>
+              <a:t>Angular Material</a:t>
+            </a:r>
+            <a:endParaRPr lang="pt-BR">
+              <a:latin typeface="Open Sans"/>
+              <a:ea typeface="Open Sans"/>
+              <a:cs typeface="Arial"/>
+            </a:endParaRPr>
+          </a:p>
+          <a:p>
+            <a:pPr marL="457200" indent="-457200">
+              <a:spcAft>
+                <a:spcPts val="112"/>
+              </a:spcAft>
+              <a:buAutoNum type="arabicPeriod"/>
+            </a:pPr>
+            <a:r>
+              <a:rPr lang="pt-BR" b="1" err="1">
+                <a:latin typeface="Open Sans"/>
+                <a:ea typeface="Open Sans"/>
+                <a:cs typeface="Arial"/>
+              </a:rPr>
+              <a:t>RxJS</a:t>
+            </a:r>
+            <a:endParaRPr lang="pt-BR">
+              <a:latin typeface="Open Sans"/>
+              <a:ea typeface="Open Sans"/>
+              <a:cs typeface="Arial"/>
+            </a:endParaRPr>
+          </a:p>
+          <a:p>
+            <a:pPr marL="457200" indent="-457200">
+              <a:spcAft>
+                <a:spcPts val="112"/>
+              </a:spcAft>
+              <a:buAutoNum type="arabicPeriod"/>
+            </a:pPr>
+            <a:r>
+              <a:rPr lang="pt-BR" b="1" err="1">
+                <a:latin typeface="Open Sans"/>
+                <a:ea typeface="Open Sans"/>
+                <a:cs typeface="Arial"/>
+              </a:rPr>
+              <a:t>NgRx</a:t>
+            </a:r>
+            <a:endParaRPr lang="pt-BR">
+              <a:latin typeface="Open Sans"/>
+              <a:ea typeface="Open Sans"/>
+              <a:cs typeface="Arial"/>
+            </a:endParaRPr>
+          </a:p>
+          <a:p>
+            <a:pPr marL="457200" indent="-457200">
+              <a:spcAft>
+                <a:spcPts val="112"/>
+              </a:spcAft>
+              <a:buAutoNum type="arabicPeriod"/>
+            </a:pPr>
+            <a:r>
+              <a:rPr lang="pt-BR" b="1" dirty="0" err="1">
+                <a:latin typeface="Open Sans"/>
+                <a:ea typeface="Open Sans"/>
+                <a:cs typeface="Arial"/>
+              </a:rPr>
+              <a:t>Tailwind</a:t>
+            </a:r>
+            <a:r>
+              <a:rPr lang="pt-BR" b="1" dirty="0">
+                <a:latin typeface="Open Sans"/>
+                <a:ea typeface="Open Sans"/>
+                <a:cs typeface="Arial"/>
+              </a:rPr>
+              <a:t> CSS</a:t>
+            </a:r>
+            <a:endParaRPr lang="pt-BR" dirty="0">
+              <a:latin typeface="Open Sans"/>
+              <a:ea typeface="Open Sans"/>
+              <a:cs typeface="Arial"/>
+            </a:endParaRPr>
+          </a:p>
+          <a:p>
+            <a:pPr marL="457200" indent="-457200">
+              <a:spcAft>
+                <a:spcPts val="112"/>
+              </a:spcAft>
+              <a:buAutoNum type="arabicPeriod"/>
+            </a:pPr>
+            <a:r>
+              <a:rPr lang="pt-BR" b="1" dirty="0" err="1">
+                <a:latin typeface="Open Sans"/>
+                <a:ea typeface="Open Sans"/>
+                <a:cs typeface="Arial"/>
+              </a:rPr>
+              <a:t>Font</a:t>
+            </a:r>
+            <a:r>
+              <a:rPr lang="pt-BR" b="1" dirty="0">
+                <a:latin typeface="Open Sans"/>
+                <a:ea typeface="Open Sans"/>
+                <a:cs typeface="Arial"/>
+              </a:rPr>
+              <a:t> </a:t>
+            </a:r>
+            <a:r>
+              <a:rPr lang="pt-BR" b="1" dirty="0" err="1">
+                <a:latin typeface="Open Sans"/>
+                <a:ea typeface="Open Sans"/>
+                <a:cs typeface="Arial"/>
+              </a:rPr>
+              <a:t>Awesome</a:t>
+            </a:r>
+            <a:endParaRPr lang="pt-BR" dirty="0">
+              <a:cs typeface="Arial"/>
+            </a:endParaRPr>
+          </a:p>
+          <a:p>
+            <a:pPr marL="457200" indent="-457200">
+              <a:spcAft>
+                <a:spcPts val="112"/>
+              </a:spcAft>
+              <a:buAutoNum type="arabicPeriod"/>
+            </a:pPr>
+            <a:r>
+              <a:rPr lang="pt-BR" b="1" dirty="0">
+                <a:latin typeface="Open Sans"/>
+                <a:ea typeface="Open Sans"/>
+                <a:cs typeface="Arial"/>
+              </a:rPr>
+              <a:t>Moment.js</a:t>
+            </a:r>
+            <a:endParaRPr lang="pt-BR" dirty="0">
+              <a:latin typeface="Open Sans"/>
+              <a:cs typeface="Arial"/>
+            </a:endParaRPr>
+          </a:p>
+          <a:p>
+            <a:pPr marL="457200" indent="-457200">
+              <a:spcAft>
+                <a:spcPts val="112"/>
+              </a:spcAft>
+              <a:buAutoNum type="arabicPeriod"/>
+            </a:pPr>
+            <a:r>
+              <a:rPr lang="pt-BR" b="1" dirty="0" err="1">
+                <a:latin typeface="Open Sans"/>
+                <a:ea typeface="Open Sans"/>
+                <a:cs typeface="Arial"/>
+              </a:rPr>
+              <a:t>ngx-translate</a:t>
+            </a:r>
+            <a:r>
+              <a:rPr lang="pt-BR" b="1" dirty="0">
+                <a:latin typeface="Open Sans"/>
+                <a:ea typeface="Open Sans"/>
+                <a:cs typeface="Arial"/>
+              </a:rPr>
+              <a:t>/core</a:t>
+            </a:r>
+            <a:endParaRPr lang="pt-BR" dirty="0">
+              <a:latin typeface="Open Sans"/>
+              <a:cs typeface="Arial"/>
+            </a:endParaRPr>
+          </a:p>
+          <a:p>
+            <a:pPr marL="457200" indent="-457200">
+              <a:spcAft>
+                <a:spcPts val="112"/>
+              </a:spcAft>
+              <a:buAutoNum type="arabicPeriod"/>
+            </a:pPr>
+            <a:r>
+              <a:rPr lang="pt-BR" b="1" dirty="0">
+                <a:latin typeface="Open Sans"/>
+                <a:ea typeface="Open Sans"/>
+                <a:cs typeface="Arial"/>
+              </a:rPr>
+              <a:t>Chart.js</a:t>
+            </a:r>
+            <a:endParaRPr lang="pt-BR" dirty="0">
+              <a:latin typeface="Open Sans"/>
+              <a:cs typeface="Arial"/>
+            </a:endParaRPr>
+          </a:p>
+          <a:p>
+            <a:pPr marL="457200" indent="-457200">
+              <a:spcAft>
+                <a:spcPts val="112"/>
+              </a:spcAft>
+              <a:buAutoNum type="arabicPeriod"/>
+            </a:pPr>
+            <a:r>
+              <a:rPr lang="pt-BR" b="1" dirty="0">
+                <a:latin typeface="Open Sans"/>
+                <a:ea typeface="Open Sans"/>
+                <a:cs typeface="Arial"/>
+              </a:rPr>
+              <a:t>Cypress</a:t>
+            </a:r>
+            <a:endParaRPr lang="pt-BR" dirty="0"/>
+          </a:p>
+          <a:p>
+            <a:pPr marL="185420" indent="0">
+              <a:spcAft>
+                <a:spcPts val="112"/>
+              </a:spcAft>
+              <a:buNone/>
+            </a:pPr>
+            <a:endParaRPr lang="pt-BR" b="1" dirty="0">
+              <a:latin typeface="Segoe UI"/>
+              <a:ea typeface="Open Sans"/>
+              <a:cs typeface="Segoe UI"/>
+            </a:endParaRPr>
+          </a:p>
+          <a:p>
+            <a:pPr marL="185420" indent="-185420">
+              <a:spcAft>
+                <a:spcPts val="112"/>
+              </a:spcAft>
+              <a:buNone/>
+            </a:pPr>
+            <a:endParaRPr lang="pt-BR" dirty="0">
+              <a:latin typeface="Segoe UI"/>
+              <a:ea typeface="Open Sans"/>
+              <a:cs typeface="Segoe UI"/>
+            </a:endParaRPr>
+          </a:p>
+          <a:p>
+            <a:pPr marL="0" indent="0">
+              <a:spcAft>
+                <a:spcPts val="112"/>
+              </a:spcAft>
+              <a:buNone/>
+            </a:pPr>
+            <a:endParaRPr lang="pt-BR" b="1" dirty="0"/>
+          </a:p>
+        </p:txBody>
+      </p:sp>
+    </p:spTree>
+    <p:extLst>
+      <p:ext uri="{BB962C8B-B14F-4D97-AF65-F5344CB8AC3E}">
+        <p14:creationId xmlns:p14="http://schemas.microsoft.com/office/powerpoint/2010/main" val="3986406823"/>
+      </p:ext>
+    </p:extLst>
+  </p:cSld>
+  <p:clrMapOvr>
+    <a:masterClrMapping/>
+  </p:clrMapOvr>
+  <mc:AlternateContent xmlns:mc="http://schemas.openxmlformats.org/markup-compatibility/2006">
+    <mc:Choice xmlns:p14="http://schemas.microsoft.com/office/powerpoint/2010/main" Requires="p14">
+      <p:transition p14:dur="0"/>
+    </mc:Choice>
+    <mc:Fallback>
+      <p:transition/>
+    </mc:Fallback>
+  </mc:AlternateContent>
+</p:sld>
+</file>
+
+<file path=ppt/slides/slide17.xml><?xml version="1.0" encoding="utf-8"?>
+<p:sld xmlns:a="http://schemas.openxmlformats.org/drawingml/2006/main" xmlns:r="http://schemas.openxmlformats.org/officeDocument/2006/relationships" xmlns:p="http://schemas.openxmlformats.org/presentationml/2006/main">
+  <p:cSld>
+    <p:spTree>
+      <p:nvGrpSpPr>
+        <p:cNvPr id="1" name=""/>
+        <p:cNvGrpSpPr/>
+        <p:nvPr/>
+      </p:nvGrpSpPr>
+      <p:grpSpPr>
+        <a:xfrm>
+          <a:off x="0" y="0"/>
+          <a:ext cx="0" cy="0"/>
+          <a:chOff x="0" y="0"/>
+          <a:chExt cx="0" cy="0"/>
+        </a:xfrm>
+      </p:grpSpPr>
+      <p:sp>
+        <p:nvSpPr>
+          <p:cNvPr id="2" name="Título 1">
+            <a:extLst>
+              <a:ext uri="{FF2B5EF4-FFF2-40B4-BE49-F238E27FC236}">
                 <a16:creationId xmlns:a16="http://schemas.microsoft.com/office/drawing/2014/main" id="{5F4ECAAE-C2ED-921F-F8D3-3E638B3EC14A}"/>
               </a:ext>
             </a:extLst>
@@ -5368,14 +6367,14 @@
           <a:lstStyle/>
           <a:p>
             <a:r>
-              <a:rPr lang="pt-BR" dirty="0">
+              <a:rPr lang="pt-BR">
                 <a:latin typeface="Open Sans"/>
                 <a:ea typeface="Open Sans"/>
                 <a:cs typeface="Open Sans"/>
               </a:rPr>
               <a:t>Cronograma Futuro</a:t>
             </a:r>
-            <a:endParaRPr lang="pt-BR" dirty="0"/>
+            <a:endParaRPr lang="pt-BR"/>
           </a:p>
         </p:txBody>
       </p:sp>
@@ -5404,14 +6403,68 @@
           <a:p>
             <a:pPr marL="185420" indent="-185420"/>
             <a:r>
+              <a:rPr lang="pt-BR" b="1">
+                <a:latin typeface="Open Sans"/>
+                <a:ea typeface="Open Sans"/>
+                <a:cs typeface="Open Sans"/>
+              </a:rPr>
+              <a:t>Fase de Planejamento e Base do projeto</a:t>
+            </a:r>
+            <a:r>
+              <a:rPr lang="pt-BR">
+                <a:latin typeface="Open Sans"/>
+                <a:ea typeface="Open Sans"/>
+                <a:cs typeface="Open Sans"/>
+              </a:rPr>
+              <a:t> (Agosto e Setembro)</a:t>
+            </a:r>
+          </a:p>
+          <a:p>
+            <a:pPr marL="185420" indent="-185420">
+              <a:spcAft>
+                <a:spcPts val="112"/>
+              </a:spcAft>
+            </a:pPr>
+            <a:r>
+              <a:rPr lang="pt-BR" b="1" dirty="0">
+                <a:latin typeface="Open Sans"/>
+                <a:ea typeface="Open Sans"/>
+                <a:cs typeface="Open Sans"/>
+              </a:rPr>
+              <a:t>Fase de Desenvolvimento</a:t>
+            </a:r>
+            <a:r>
               <a:rPr lang="pt-BR" dirty="0">
                 <a:latin typeface="Open Sans"/>
                 <a:ea typeface="Open Sans"/>
                 <a:cs typeface="Open Sans"/>
               </a:rPr>
-              <a:t>Detalhamento das datas importantes do projeto e da entrega dos pacotes </a:t>
+              <a:t> (Setembro a Novembro)</a:t>
             </a:r>
             <a:endParaRPr lang="pt-BR" dirty="0"/>
+          </a:p>
+          <a:p>
+            <a:pPr marL="185420" indent="-185420">
+              <a:spcAft>
+                <a:spcPts val="112"/>
+              </a:spcAft>
+            </a:pPr>
+            <a:r>
+              <a:rPr lang="pt-BR" b="1" dirty="0">
+                <a:latin typeface="Open Sans"/>
+                <a:ea typeface="Open Sans"/>
+                <a:cs typeface="Open Sans"/>
+              </a:rPr>
+              <a:t>Fase de Testes e Qualidade</a:t>
+            </a:r>
+            <a:r>
+              <a:rPr lang="pt-BR" dirty="0">
+                <a:latin typeface="Open Sans"/>
+                <a:ea typeface="Open Sans"/>
+                <a:cs typeface="Open Sans"/>
+              </a:rPr>
+              <a:t> (Dezembro)</a:t>
+            </a:r>
           </a:p>
         </p:txBody>
       </p:sp>
@@ -5469,7 +6522,7 @@
           <a:lstStyle/>
           <a:p>
             <a:r>
-              <a:rPr lang="pt-BR" dirty="0"/>
+              <a:rPr lang="pt-BR"/>
               <a:t>O projeto</a:t>
             </a:r>
           </a:p>
@@ -5503,7 +6556,7 @@
               </a:spcAft>
             </a:pPr>
             <a:r>
-              <a:rPr lang="pt-BR" b="1" dirty="0">
+              <a:rPr lang="pt-BR" b="1">
                 <a:latin typeface="Open Sans"/>
                 <a:ea typeface="Open Sans"/>
                 <a:cs typeface="Open Sans"/>
@@ -5512,16 +6565,28 @@
             </a:r>
           </a:p>
           <a:p>
-            <a:pPr marL="357187" lvl="2" indent="0">
+            <a:pPr marL="356870" lvl="2" indent="0">
               <a:spcAft>
                 <a:spcPts val="112"/>
               </a:spcAft>
               <a:buNone/>
             </a:pPr>
             <a:r>
-              <a:rPr lang="pt-BR" dirty="0"/>
+              <a:rPr lang="pt-BR">
+                <a:latin typeface="Open Sans"/>
+                <a:ea typeface="Open Sans"/>
+                <a:cs typeface="Open Sans"/>
+              </a:rPr>
               <a:t>Pessoas interessadas em adquirir plantas de forma personalizada e conveniente. Isso inclui tanto indivíduos que têm conhecimento sobre plantas quanto aqueles que estão começando a se interessar por jardinagem.</a:t>
             </a:r>
+            <a:br>
+              <a:rPr lang="pt-BR">
+                <a:latin typeface="Open Sans"/>
+                <a:ea typeface="Open Sans"/>
+                <a:cs typeface="Open Sans"/>
+              </a:rPr>
+            </a:br>
+            <a:endParaRPr lang="pt-BR"/>
           </a:p>
           <a:p>
             <a:pPr marL="342900" indent="-342900">
@@ -5530,7 +6595,7 @@
               </a:spcAft>
             </a:pPr>
             <a:r>
-              <a:rPr lang="pt-BR" b="1" dirty="0">
+              <a:rPr lang="pt-BR" b="1">
                 <a:latin typeface="Open Sans"/>
                 <a:ea typeface="Open Sans"/>
                 <a:cs typeface="Open Sans"/>
@@ -5539,14 +6604,14 @@
             </a:r>
           </a:p>
           <a:p>
-            <a:pPr marL="357187" lvl="2" indent="0">
+            <a:pPr marL="356870" lvl="2" indent="0">
               <a:spcAft>
                 <a:spcPts val="112"/>
               </a:spcAft>
               <a:buNone/>
             </a:pPr>
             <a:r>
-              <a:rPr lang="pt-BR" dirty="0"/>
+              <a:rPr lang="pt-BR"/>
               <a:t>Os problemas a serem resolvidos incluem a falta de acesso fácil a plantas e personalizadas, bem como a limitação de opções para adquirir plantas online de maneira confiável. A oportunidade é criar um serviço que atenda a essa demanda, permitindo aos clientes encomendar plantas de acordo com suas preferências e renda, afim de receber orientações sobre cuidados.</a:t>
             </a:r>
           </a:p>
@@ -5556,7 +6621,7 @@
                 <a:spcPts val="112"/>
               </a:spcAft>
             </a:pPr>
-            <a:endParaRPr lang="pt-BR" dirty="0"/>
+            <a:endParaRPr lang="pt-BR"/>
           </a:p>
           <a:p>
             <a:pPr marL="342900" indent="-342900">
@@ -5565,7 +6630,7 @@
               </a:spcAft>
             </a:pPr>
             <a:r>
-              <a:rPr lang="pt-BR" b="1" dirty="0">
+              <a:rPr lang="pt-BR" b="1">
                 <a:latin typeface="Open Sans"/>
                 <a:ea typeface="Open Sans"/>
                 <a:cs typeface="Open Sans"/>
@@ -5574,15 +6639,19 @@
             </a:r>
           </a:p>
           <a:p>
-            <a:pPr marL="357187" lvl="2" indent="0">
+            <a:pPr marL="356870" lvl="2" indent="0">
               <a:spcAft>
                 <a:spcPts val="112"/>
               </a:spcAft>
               <a:buNone/>
             </a:pPr>
             <a:r>
-              <a:rPr lang="pt-BR" dirty="0"/>
-              <a:t>O cliente pode se beneficiar ao obter acesso a uma ampla variedade de plantas e a possibilidade de personalizar suas encomendas conforme suas preferências estéticas e necessidades. Além disso, eles podem receber informações detalhadas sobre o cultivo e os cuidados necessários para manter suas plantas saudáveis.</a:t>
+              <a:rPr lang="pt-BR">
+                <a:latin typeface="Open Sans"/>
+                <a:ea typeface="Open Sans"/>
+                <a:cs typeface="Open Sans"/>
+              </a:rPr>
+              <a:t>O cliente pode se beneficiar ao obter acesso a uma ampla variedade de plantas e a possibilidade de personalizar suas encomendas conforme suas preferências estéticas e necessidades. Além disso, eles podem receber orientações sobre o cultivo e os cuidados necessários para manter suas plantas saudáveis.</a:t>
             </a:r>
           </a:p>
           <a:p>
@@ -5591,7 +6660,7 @@
                 <a:spcPts val="112"/>
               </a:spcAft>
             </a:pPr>
-            <a:endParaRPr lang="pt-BR" dirty="0"/>
+            <a:endParaRPr lang="pt-BR"/>
           </a:p>
           <a:p>
             <a:pPr marL="342900" indent="-342900">
@@ -5600,7 +6669,7 @@
               </a:spcAft>
             </a:pPr>
             <a:r>
-              <a:rPr lang="pt-BR" b="1" dirty="0">
+              <a:rPr lang="pt-BR" b="1">
                 <a:latin typeface="Open Sans"/>
                 <a:ea typeface="Open Sans"/>
                 <a:cs typeface="Open Sans"/>
@@ -5609,15 +6678,19 @@
             </a:r>
           </a:p>
           <a:p>
-            <a:pPr marL="357187" lvl="2" indent="0">
+            <a:pPr marL="356870" lvl="2" indent="0">
               <a:spcAft>
                 <a:spcPts val="112"/>
               </a:spcAft>
               <a:buNone/>
             </a:pPr>
             <a:r>
-              <a:rPr lang="pt-BR" dirty="0"/>
-              <a:t>A necessidade do cliente é ter uma fonte confiável para adquirir plantas de qualidade, sem as limitações de disponibilidade sazonal ou geográfica. O desejo é poder escolher entre diferentes tipos de plantas, tamanhos, vasos e receber recomendações personalizadas para o cuidado das plantas.</a:t>
+              <a:rPr lang="pt-BR">
+                <a:latin typeface="Open Sans"/>
+                <a:ea typeface="Open Sans"/>
+                <a:cs typeface="Open Sans"/>
+              </a:rPr>
+              <a:t>O desejo é poder escolher entre diferentes tipos de plantas, tamanhos, vasos e receber recomendações personalizadas para o cuidado das plantas.</a:t>
             </a:r>
           </a:p>
           <a:p>
@@ -5626,7 +6699,7 @@
                 <a:spcPts val="112"/>
               </a:spcAft>
             </a:pPr>
-            <a:endParaRPr lang="pt-BR" dirty="0"/>
+            <a:endParaRPr lang="pt-BR"/>
           </a:p>
           <a:p>
             <a:pPr marL="342900" indent="-342900">
@@ -5635,7 +6708,7 @@
               </a:spcAft>
             </a:pPr>
             <a:r>
-              <a:rPr lang="pt-BR" b="1" dirty="0">
+              <a:rPr lang="pt-BR" b="1">
                 <a:latin typeface="Open Sans"/>
                 <a:ea typeface="Open Sans"/>
                 <a:cs typeface="Open Sans"/>
@@ -5644,14 +6717,14 @@
             </a:r>
           </a:p>
           <a:p>
-            <a:pPr marL="357187" lvl="2" indent="0">
+            <a:pPr marL="356870" lvl="2" indent="0">
               <a:spcAft>
                 <a:spcPts val="112"/>
               </a:spcAft>
               <a:buNone/>
             </a:pPr>
             <a:r>
-              <a:rPr lang="pt-BR" dirty="0"/>
+              <a:rPr lang="pt-BR"/>
               <a:t>A experiência do cliente será altamente personalizada e conveniente. Eles poderão navegar pelo catálogo online, escolher as plantas desejadas, selecionar opções de tamanho e vaso, e finalizar o pedido. Durante o processo, o sistema pode oferecer recomendações com base nas preferências do cliente e fornecer informações sobre os cuidados específicos de cada planta. Além disso, o cliente receberá atualizações sobre o status do pedido e informações de rastreamento da entrega.</a:t>
             </a:r>
           </a:p>
@@ -5661,7 +6734,7 @@
                 <a:spcPts val="112"/>
               </a:spcAft>
             </a:pPr>
-            <a:endParaRPr lang="pt-BR" dirty="0">
+            <a:endParaRPr lang="pt-BR">
               <a:latin typeface="Open Sans"/>
               <a:ea typeface="Open Sans"/>
               <a:cs typeface="Open Sans"/>
@@ -5674,7 +6747,7 @@
               </a:spcAft>
               <a:buNone/>
             </a:pPr>
-            <a:endParaRPr lang="pt-BR" dirty="0"/>
+            <a:endParaRPr lang="pt-BR"/>
           </a:p>
         </p:txBody>
       </p:sp>
@@ -5738,14 +6811,14 @@
           <a:lstStyle/>
           <a:p>
             <a:r>
-              <a:rPr lang="pt-BR" dirty="0">
+              <a:rPr lang="pt-BR">
                 <a:latin typeface="Open Sans"/>
                 <a:ea typeface="Open Sans"/>
                 <a:cs typeface="Open Sans"/>
               </a:rPr>
               <a:t>Metodologia</a:t>
             </a:r>
-            <a:endParaRPr lang="pt-BR" dirty="0"/>
+            <a:endParaRPr lang="pt-BR"/>
           </a:p>
         </p:txBody>
       </p:sp>
@@ -5779,35 +6852,35 @@
           <a:p>
             <a:pPr algn="l"/>
             <a:r>
-              <a:rPr lang="pt-BR" i="0" dirty="0">
+              <a:rPr lang="pt-BR" i="0">
                 <a:effectLst/>
                 <a:latin typeface="Söhne"/>
               </a:rPr>
               <a:t>Quadro</a:t>
             </a:r>
             <a:r>
-              <a:rPr lang="pt-BR" b="1" i="0" dirty="0">
+              <a:rPr lang="pt-BR" b="1" i="0">
                 <a:effectLst/>
                 <a:latin typeface="Söhne"/>
               </a:rPr>
               <a:t> </a:t>
             </a:r>
             <a:r>
-              <a:rPr lang="pt-BR" b="1" dirty="0" err="1">
+              <a:rPr lang="pt-BR" b="1" err="1">
                 <a:effectLst/>
                 <a:latin typeface="Söhne"/>
               </a:rPr>
               <a:t>Kanban</a:t>
             </a:r>
             <a:r>
-              <a:rPr lang="pt-BR" b="1" i="0" dirty="0">
+              <a:rPr lang="pt-BR" b="1" i="0">
                 <a:effectLst/>
                 <a:latin typeface="Söhne"/>
               </a:rPr>
               <a:t> - </a:t>
             </a:r>
             <a:r>
-              <a:rPr lang="pt-BR" b="1" i="1" dirty="0">
+              <a:rPr lang="pt-BR" b="1" i="1">
                 <a:effectLst/>
                 <a:latin typeface="Söhne"/>
               </a:rPr>
@@ -5904,54 +6977,49 @@
           <a:bodyPr/>
           <a:lstStyle/>
           <a:p>
-            <a:r>
-              <a:rPr lang="pt-BR" dirty="0">
+            <a:pPr algn="ctr"/>
+            <a:r>
+              <a:rPr lang="pt-BR">
                 <a:latin typeface="Open Sans"/>
                 <a:ea typeface="Open Sans"/>
                 <a:cs typeface="Open Sans"/>
               </a:rPr>
               <a:t>Casos de Uso</a:t>
             </a:r>
-            <a:endParaRPr lang="pt-BR" dirty="0"/>
-          </a:p>
-        </p:txBody>
-      </p:sp>
-      <p:sp>
-        <p:nvSpPr>
-          <p:cNvPr id="3" name="Espaço Reservado para Conteúdo 2">
+            <a:endParaRPr lang="pt-BR"/>
+          </a:p>
+        </p:txBody>
+      </p:sp>
+      <p:pic>
+        <p:nvPicPr>
+          <p:cNvPr id="7" name="Imagem 6" descr="Diagrama&#10;&#10;Descrição gerada automaticamente">
             <a:extLst>
               <a:ext uri="{FF2B5EF4-FFF2-40B4-BE49-F238E27FC236}">
-                <a16:creationId xmlns:a16="http://schemas.microsoft.com/office/drawing/2014/main" id="{0F8FD5DB-2B8C-5706-EBB6-6FE0BA761A0A}"/>
+                <a16:creationId xmlns:a16="http://schemas.microsoft.com/office/drawing/2014/main" id="{1C2360E3-E40B-7DDA-B22D-63C06EEA9594}"/>
               </a:ext>
             </a:extLst>
           </p:cNvPr>
-          <p:cNvSpPr>
-            <a:spLocks noGrp="1"/>
-          </p:cNvSpPr>
-          <p:nvPr>
-            <p:ph idx="1"/>
-          </p:nvPr>
-        </p:nvSpPr>
-        <p:spPr/>
-        <p:txBody>
-          <a:bodyPr vert="horz" lIns="45720" tIns="45720" rIns="45720" bIns="45720" rtlCol="0" anchor="t">
-            <a:normAutofit/>
-          </a:bodyPr>
-          <a:lstStyle/>
-          <a:p>
-            <a:pPr marL="185420" indent="-185420"/>
-            <a:r>
-              <a:rPr lang="pt-BR" dirty="0">
-                <a:latin typeface="Open Sans"/>
-                <a:ea typeface="Open Sans"/>
-                <a:cs typeface="Open Sans"/>
-              </a:rPr>
-              <a:t>Apresente o diagrama de casos de uso</a:t>
-            </a:r>
-            <a:endParaRPr lang="pt-BR" dirty="0"/>
-          </a:p>
-        </p:txBody>
-      </p:sp>
+          <p:cNvPicPr>
+            <a:picLocks noChangeAspect="1"/>
+          </p:cNvPicPr>
+          <p:nvPr/>
+        </p:nvPicPr>
+        <p:blipFill>
+          <a:blip r:embed="rId2"/>
+          <a:stretch>
+            <a:fillRect/>
+          </a:stretch>
+        </p:blipFill>
+        <p:spPr>
+          <a:xfrm>
+            <a:off x="2291509" y="1217364"/>
+            <a:ext cx="4533440" cy="4478356"/>
+          </a:xfrm>
+          <a:prstGeom prst="rect">
+            <a:avLst/>
+          </a:prstGeom>
+        </p:spPr>
+      </p:pic>
     </p:spTree>
     <p:extLst>
       <p:ext uri="{BB962C8B-B14F-4D97-AF65-F5344CB8AC3E}">
@@ -6012,14 +7080,14 @@
           <a:lstStyle/>
           <a:p>
             <a:r>
-              <a:rPr lang="pt-BR" dirty="0">
+              <a:rPr lang="pt-BR">
                 <a:latin typeface="Open Sans"/>
                 <a:ea typeface="Open Sans"/>
                 <a:cs typeface="Open Sans"/>
               </a:rPr>
               <a:t>Requisitos</a:t>
             </a:r>
-            <a:endParaRPr lang="pt-BR" dirty="0"/>
+            <a:endParaRPr lang="pt-BR"/>
           </a:p>
         </p:txBody>
       </p:sp>
@@ -6055,7 +7123,7 @@
               <a:buNone/>
             </a:pPr>
             <a:r>
-              <a:rPr lang="pt-BR" sz="6400" b="1" dirty="0">
+              <a:rPr lang="pt-BR" sz="6400" b="1">
                 <a:latin typeface="Open Sans"/>
                 <a:ea typeface="Open Sans"/>
                 <a:cs typeface="Open Sans"/>
@@ -6067,7 +7135,7 @@
             <a:pPr marL="0" indent="0">
               <a:buNone/>
             </a:pPr>
-            <a:endParaRPr lang="pt-BR" sz="6400" b="1" dirty="0">
+            <a:endParaRPr lang="pt-BR" sz="6400" b="1">
               <a:latin typeface="Open Sans"/>
               <a:ea typeface="Open Sans"/>
               <a:cs typeface="Open Sans"/>
@@ -6078,7 +7146,7 @@
               <a:buNone/>
             </a:pPr>
             <a:r>
-              <a:rPr lang="pt-BR" sz="6400" b="1" dirty="0">
+              <a:rPr lang="pt-BR" sz="6400" b="1">
                 <a:latin typeface="Open Sans"/>
                 <a:ea typeface="Open Sans"/>
                 <a:cs typeface="Open Sans"/>
@@ -6091,7 +7159,7 @@
               <a:buNone/>
             </a:pPr>
             <a:r>
-              <a:rPr lang="pt-BR" sz="6400" dirty="0">
+              <a:rPr lang="pt-BR" sz="6400">
                 <a:latin typeface="Open Sans"/>
                 <a:ea typeface="Open Sans"/>
                 <a:cs typeface="Open Sans"/>
@@ -6104,7 +7172,7 @@
               <a:buNone/>
             </a:pPr>
             <a:r>
-              <a:rPr lang="pt-BR" sz="6400" dirty="0">
+              <a:rPr lang="pt-BR" sz="6400">
                 <a:latin typeface="Open Sans"/>
                 <a:ea typeface="Open Sans"/>
                 <a:cs typeface="Open Sans"/>
@@ -6112,13 +7180,13 @@
               <a:t>   - Os resultados da busca devem ser exibidos de forma clara e organizada.</a:t>
             </a:r>
             <a:br>
-              <a:rPr lang="pt-BR" sz="6400" dirty="0">
+              <a:rPr lang="pt-BR" sz="6400">
                 <a:latin typeface="Open Sans"/>
                 <a:ea typeface="Open Sans"/>
                 <a:cs typeface="Open Sans"/>
               </a:rPr>
             </a:br>
-            <a:endParaRPr lang="pt-BR" sz="6400" b="1" dirty="0">
+            <a:endParaRPr lang="pt-BR" sz="6400" b="1">
               <a:latin typeface="Open Sans"/>
               <a:ea typeface="Open Sans"/>
               <a:cs typeface="Open Sans"/>
@@ -6129,7 +7197,7 @@
               <a:buNone/>
             </a:pPr>
             <a:r>
-              <a:rPr lang="pt-BR" sz="6400" b="1" dirty="0">
+              <a:rPr lang="pt-BR" sz="6400" b="1">
                 <a:latin typeface="Open Sans"/>
                 <a:ea typeface="Open Sans"/>
                 <a:cs typeface="Open Sans"/>
@@ -6142,7 +7210,7 @@
               <a:buNone/>
             </a:pPr>
             <a:r>
-              <a:rPr lang="pt-BR" sz="6400" dirty="0">
+              <a:rPr lang="pt-BR" sz="6400">
                 <a:latin typeface="Open Sans"/>
                 <a:ea typeface="Open Sans"/>
                 <a:cs typeface="Open Sans"/>
@@ -6155,7 +7223,7 @@
               <a:buNone/>
             </a:pPr>
             <a:r>
-              <a:rPr lang="pt-BR" sz="6400" dirty="0">
+              <a:rPr lang="pt-BR" sz="6400">
                 <a:latin typeface="Open Sans"/>
                 <a:ea typeface="Open Sans"/>
                 <a:cs typeface="Open Sans"/>
@@ -6163,13 +7231,13 @@
               <a:t>   - As informações incluem nome, descrição, preço, cuidados, etc.</a:t>
             </a:r>
             <a:br>
-              <a:rPr lang="pt-BR" sz="6400" dirty="0">
+              <a:rPr lang="pt-BR" sz="6400">
                 <a:latin typeface="Open Sans"/>
                 <a:ea typeface="Open Sans"/>
                 <a:cs typeface="Open Sans"/>
               </a:rPr>
             </a:br>
-            <a:endParaRPr lang="pt-BR" sz="6400" b="1" dirty="0">
+            <a:endParaRPr lang="pt-BR" sz="6400" b="1">
               <a:latin typeface="Open Sans"/>
               <a:ea typeface="Open Sans"/>
               <a:cs typeface="Open Sans"/>
@@ -6180,7 +7248,7 @@
               <a:buNone/>
             </a:pPr>
             <a:r>
-              <a:rPr lang="pt-BR" sz="6400" b="1" dirty="0">
+              <a:rPr lang="pt-BR" sz="6400" b="1">
                 <a:latin typeface="Open Sans"/>
                 <a:ea typeface="Open Sans"/>
                 <a:cs typeface="Open Sans"/>
@@ -6193,7 +7261,7 @@
               <a:buNone/>
             </a:pPr>
             <a:r>
-              <a:rPr lang="pt-BR" sz="6400" dirty="0">
+              <a:rPr lang="pt-BR" sz="6400">
                 <a:latin typeface="Open Sans"/>
                 <a:ea typeface="Open Sans"/>
                 <a:cs typeface="Open Sans"/>
@@ -6206,7 +7274,7 @@
               <a:buNone/>
             </a:pPr>
             <a:r>
-              <a:rPr lang="pt-BR" sz="6400" dirty="0">
+              <a:rPr lang="pt-BR" sz="6400">
                 <a:latin typeface="Open Sans"/>
                 <a:ea typeface="Open Sans"/>
                 <a:cs typeface="Open Sans"/>
@@ -6214,13 +7282,13 @@
               <a:t>   - A quantidade e as opções selecionadas devem ser registradas no carrinho.</a:t>
             </a:r>
             <a:br>
-              <a:rPr lang="pt-BR" sz="6400" dirty="0">
+              <a:rPr lang="pt-BR" sz="6400">
                 <a:latin typeface="Open Sans"/>
                 <a:ea typeface="Open Sans"/>
                 <a:cs typeface="Open Sans"/>
               </a:rPr>
             </a:br>
-            <a:endParaRPr lang="pt-BR" sz="6400" b="1" dirty="0">
+            <a:endParaRPr lang="pt-BR" sz="6400" b="1">
               <a:latin typeface="Open Sans"/>
               <a:ea typeface="Open Sans"/>
               <a:cs typeface="Open Sans"/>
@@ -6231,7 +7299,7 @@
               <a:buNone/>
             </a:pPr>
             <a:r>
-              <a:rPr lang="pt-BR" sz="6400" b="1" dirty="0">
+              <a:rPr lang="pt-BR" sz="6400" b="1">
                 <a:latin typeface="Open Sans"/>
                 <a:ea typeface="Open Sans"/>
                 <a:cs typeface="Open Sans"/>
@@ -6244,7 +7312,7 @@
               <a:buNone/>
             </a:pPr>
             <a:r>
-              <a:rPr lang="pt-BR" sz="6400" dirty="0">
+              <a:rPr lang="pt-BR" sz="6400">
                 <a:latin typeface="Open Sans"/>
                 <a:ea typeface="Open Sans"/>
                 <a:cs typeface="Open Sans"/>
@@ -6257,7 +7325,7 @@
               <a:buNone/>
             </a:pPr>
             <a:r>
-              <a:rPr lang="pt-BR" sz="6400" dirty="0">
+              <a:rPr lang="pt-BR" sz="6400">
                 <a:latin typeface="Open Sans"/>
                 <a:ea typeface="Open Sans"/>
                 <a:cs typeface="Open Sans"/>
@@ -6265,7 +7333,7 @@
               <a:t>   - Redirecionar para um </a:t>
             </a:r>
             <a:r>
-              <a:rPr lang="pt-BR" sz="6400" dirty="0" err="1">
+              <a:rPr lang="pt-BR" sz="6400" err="1">
                 <a:latin typeface="Open Sans"/>
                 <a:ea typeface="Open Sans"/>
                 <a:cs typeface="Open Sans"/>
@@ -6273,7 +7341,7 @@
               <a:t>whatsapp</a:t>
             </a:r>
             <a:r>
-              <a:rPr lang="pt-BR" sz="6400" dirty="0">
+              <a:rPr lang="pt-BR" sz="6400">
                 <a:latin typeface="Open Sans"/>
                 <a:ea typeface="Open Sans"/>
                 <a:cs typeface="Open Sans"/>
@@ -6285,7 +7353,7 @@
             <a:pPr marL="0" indent="0">
               <a:buNone/>
             </a:pPr>
-            <a:endParaRPr lang="pt-BR" sz="6400" b="1" dirty="0">
+            <a:endParaRPr lang="pt-BR" sz="6400" b="1">
               <a:latin typeface="Open Sans"/>
               <a:ea typeface="Open Sans"/>
               <a:cs typeface="Open Sans"/>
@@ -6353,14 +7421,14 @@
           <a:lstStyle/>
           <a:p>
             <a:r>
-              <a:rPr lang="pt-BR" dirty="0">
+              <a:rPr lang="pt-BR">
                 <a:latin typeface="Open Sans"/>
                 <a:ea typeface="Open Sans"/>
                 <a:cs typeface="Open Sans"/>
               </a:rPr>
               <a:t>Requisitos</a:t>
             </a:r>
-            <a:endParaRPr lang="pt-BR" dirty="0"/>
+            <a:endParaRPr lang="pt-BR"/>
           </a:p>
         </p:txBody>
       </p:sp>
@@ -6396,7 +7464,7 @@
               <a:buNone/>
             </a:pPr>
             <a:r>
-              <a:rPr lang="pt-BR" sz="1600" b="1" dirty="0">
+              <a:rPr lang="pt-BR" sz="1600" b="1">
                 <a:latin typeface="Open Sans"/>
                 <a:ea typeface="Open Sans"/>
                 <a:cs typeface="Open Sans"/>
@@ -6409,7 +7477,7 @@
               <a:buNone/>
             </a:pPr>
             <a:r>
-              <a:rPr lang="pt-BR" sz="1600" dirty="0">
+              <a:rPr lang="pt-BR" sz="1600">
                 <a:latin typeface="Open Sans"/>
                 <a:ea typeface="Open Sans"/>
                 <a:cs typeface="Open Sans"/>
@@ -6422,7 +7490,7 @@
               <a:buNone/>
             </a:pPr>
             <a:r>
-              <a:rPr lang="pt-BR" sz="1600" dirty="0">
+              <a:rPr lang="pt-BR" sz="1600">
                 <a:latin typeface="Open Sans"/>
                 <a:ea typeface="Open Sans"/>
                 <a:cs typeface="Open Sans"/>
@@ -6430,13 +7498,13 @@
               <a:t>   - As operações de gerenciamento devem ser acessíveis somente por administradores.</a:t>
             </a:r>
             <a:br>
-              <a:rPr lang="pt-BR" sz="1600" dirty="0">
+              <a:rPr lang="pt-BR" sz="1600">
                 <a:latin typeface="Open Sans"/>
                 <a:ea typeface="Open Sans"/>
                 <a:cs typeface="Open Sans"/>
               </a:rPr>
             </a:br>
-            <a:endParaRPr lang="pt-BR" sz="1600" b="1" dirty="0">
+            <a:endParaRPr lang="pt-BR" sz="1600" b="1">
               <a:latin typeface="Open Sans"/>
               <a:ea typeface="Open Sans"/>
               <a:cs typeface="Open Sans"/>
@@ -6447,7 +7515,7 @@
               <a:buNone/>
             </a:pPr>
             <a:r>
-              <a:rPr lang="pt-BR" sz="1600" b="1" dirty="0">
+              <a:rPr lang="pt-BR" sz="1600" b="1">
                 <a:latin typeface="Open Sans"/>
                 <a:ea typeface="Open Sans"/>
                 <a:cs typeface="Open Sans"/>
@@ -6460,7 +7528,7 @@
               <a:buNone/>
             </a:pPr>
             <a:r>
-              <a:rPr lang="pt-BR" sz="1600" dirty="0">
+              <a:rPr lang="pt-BR" sz="1600">
                 <a:latin typeface="Open Sans"/>
                 <a:ea typeface="Open Sans"/>
                 <a:cs typeface="Open Sans"/>
@@ -6473,7 +7541,7 @@
               <a:buNone/>
             </a:pPr>
             <a:r>
-              <a:rPr lang="pt-BR" sz="1600" dirty="0">
+              <a:rPr lang="pt-BR" sz="1600">
                 <a:latin typeface="Open Sans"/>
                 <a:ea typeface="Open Sans"/>
                 <a:cs typeface="Open Sans"/>
@@ -6481,13 +7549,13 @@
               <a:t>   - As estatísticas podem incluir vendas por período, produtos mais vendidos, etc.</a:t>
             </a:r>
             <a:br>
-              <a:rPr lang="pt-BR" sz="1600" dirty="0">
+              <a:rPr lang="pt-BR" sz="1600">
                 <a:latin typeface="Open Sans"/>
                 <a:ea typeface="Open Sans"/>
                 <a:cs typeface="Open Sans"/>
               </a:rPr>
             </a:br>
-            <a:endParaRPr lang="pt-BR" sz="1600" b="1" dirty="0">
+            <a:endParaRPr lang="pt-BR" sz="1600" b="1">
               <a:latin typeface="Open Sans"/>
               <a:ea typeface="Open Sans"/>
               <a:cs typeface="Open Sans"/>
@@ -6498,7 +7566,7 @@
               <a:buNone/>
             </a:pPr>
             <a:r>
-              <a:rPr lang="pt-BR" sz="1600" b="1" dirty="0">
+              <a:rPr lang="pt-BR" sz="1600" b="1">
                 <a:latin typeface="Open Sans"/>
                 <a:ea typeface="Open Sans"/>
                 <a:cs typeface="Open Sans"/>
@@ -6511,7 +7579,7 @@
               <a:buNone/>
             </a:pPr>
             <a:r>
-              <a:rPr lang="pt-BR" sz="1600" dirty="0">
+              <a:rPr lang="pt-BR" sz="1600">
                 <a:latin typeface="Open Sans"/>
                 <a:ea typeface="Open Sans"/>
                 <a:cs typeface="Open Sans"/>
@@ -6519,7 +7587,7 @@
               <a:t>   - Atualizar o usuário sobre o tempo de espera e envio pelo </a:t>
             </a:r>
             <a:r>
-              <a:rPr lang="pt-BR" sz="1600" dirty="0" err="1">
+              <a:rPr lang="pt-BR" sz="1600" err="1">
                 <a:latin typeface="Open Sans"/>
                 <a:ea typeface="Open Sans"/>
                 <a:cs typeface="Open Sans"/>
@@ -6527,7 +7595,7 @@
               <a:t>whatsapp</a:t>
             </a:r>
             <a:r>
-              <a:rPr lang="pt-BR" sz="1600" dirty="0">
+              <a:rPr lang="pt-BR" sz="1600">
                 <a:latin typeface="Open Sans"/>
                 <a:ea typeface="Open Sans"/>
                 <a:cs typeface="Open Sans"/>
@@ -6540,7 +7608,7 @@
               <a:buNone/>
             </a:pPr>
             <a:r>
-              <a:rPr lang="pt-BR" sz="1600" dirty="0">
+              <a:rPr lang="pt-BR" sz="1600">
                 <a:latin typeface="Open Sans"/>
                 <a:ea typeface="Open Sans"/>
                 <a:cs typeface="Open Sans"/>
@@ -6552,7 +7620,7 @@
             <a:pPr marL="0" indent="0">
               <a:buNone/>
             </a:pPr>
-            <a:endParaRPr lang="pt-BR" sz="1600" b="1" dirty="0">
+            <a:endParaRPr lang="pt-BR" sz="1600" b="1">
               <a:latin typeface="Open Sans"/>
               <a:ea typeface="Open Sans"/>
               <a:cs typeface="Open Sans"/>
@@ -6570,11 +7638,11 @@
   <p:clrMapOvr>
     <a:masterClrMapping/>
   </p:clrMapOvr>
-  <mc:AlternateContent xmlns:mc="http://schemas.openxmlformats.org/markup-compatibility/2006">
-    <mc:Choice xmlns:p14="http://schemas.microsoft.com/office/powerpoint/2010/main" Requires="p14">
+  <mc:AlternateContent xmlns:mc="http://schemas.openxmlformats.org/markup-compatibility/2006" xmlns:p14="http://schemas.microsoft.com/office/powerpoint/2010/main">
+    <mc:Choice Requires="p14">
       <p:transition p14:dur="0"/>
     </mc:Choice>
-    <mc:Fallback>
+    <mc:Fallback xmlns="">
       <p:transition/>
     </mc:Fallback>
   </mc:AlternateContent>
@@ -6620,14 +7688,14 @@
           <a:lstStyle/>
           <a:p>
             <a:r>
-              <a:rPr lang="pt-BR" dirty="0">
+              <a:rPr lang="pt-BR">
                 <a:latin typeface="Open Sans"/>
                 <a:ea typeface="Open Sans"/>
                 <a:cs typeface="Open Sans"/>
               </a:rPr>
               <a:t>Requisitos</a:t>
             </a:r>
-            <a:endParaRPr lang="pt-BR" dirty="0"/>
+            <a:endParaRPr lang="pt-BR"/>
           </a:p>
         </p:txBody>
       </p:sp>
@@ -6663,7 +7731,7 @@
               <a:buNone/>
             </a:pPr>
             <a:r>
-              <a:rPr lang="pt-BR" sz="1600" b="1" dirty="0">
+              <a:rPr lang="pt-BR" sz="1600" b="1">
                 <a:latin typeface="Open Sans"/>
                 <a:ea typeface="Open Sans"/>
                 <a:cs typeface="Open Sans"/>
@@ -6675,7 +7743,7 @@
             <a:pPr marL="0" indent="0">
               <a:buNone/>
             </a:pPr>
-            <a:endParaRPr lang="pt-BR" sz="1600" b="1" dirty="0">
+            <a:endParaRPr lang="pt-BR" sz="1600" b="1">
               <a:latin typeface="Open Sans"/>
               <a:ea typeface="Open Sans"/>
               <a:cs typeface="Open Sans"/>
@@ -6686,7 +7754,7 @@
               <a:buNone/>
             </a:pPr>
             <a:r>
-              <a:rPr lang="pt-BR" sz="1600" b="1" dirty="0">
+              <a:rPr lang="pt-BR" sz="1600" b="1">
                 <a:latin typeface="Open Sans"/>
                 <a:ea typeface="Open Sans"/>
                 <a:cs typeface="Open Sans"/>
@@ -6699,7 +7767,7 @@
               <a:buNone/>
             </a:pPr>
             <a:r>
-              <a:rPr lang="pt-BR" sz="1600" dirty="0">
+              <a:rPr lang="pt-BR" sz="1600">
                 <a:latin typeface="Open Sans"/>
                 <a:ea typeface="Open Sans"/>
                 <a:cs typeface="Open Sans"/>
@@ -6707,13 +7775,13 @@
               <a:t>   - A interface do usuário deve ser intuitiva e fácil de usar, mesmo para pessoas sem experiência técnica.</a:t>
             </a:r>
             <a:br>
-              <a:rPr lang="pt-BR" sz="1600" dirty="0">
+              <a:rPr lang="pt-BR" sz="1600">
                 <a:latin typeface="Open Sans"/>
                 <a:ea typeface="Open Sans"/>
                 <a:cs typeface="Open Sans"/>
               </a:rPr>
             </a:br>
-            <a:endParaRPr lang="pt-BR" sz="1600" b="1" dirty="0">
+            <a:endParaRPr lang="pt-BR" sz="1600" b="1">
               <a:latin typeface="Open Sans"/>
               <a:ea typeface="Open Sans"/>
               <a:cs typeface="Open Sans"/>
@@ -6724,7 +7792,7 @@
               <a:buNone/>
             </a:pPr>
             <a:r>
-              <a:rPr lang="pt-BR" sz="1600" b="1" dirty="0">
+              <a:rPr lang="pt-BR" sz="1600" b="1">
                 <a:latin typeface="Open Sans"/>
                 <a:ea typeface="Open Sans"/>
                 <a:cs typeface="Open Sans"/>
@@ -6737,7 +7805,7 @@
               <a:buNone/>
             </a:pPr>
             <a:r>
-              <a:rPr lang="pt-BR" sz="1600" dirty="0">
+              <a:rPr lang="pt-BR" sz="1600">
                 <a:latin typeface="Open Sans"/>
                 <a:ea typeface="Open Sans"/>
                 <a:cs typeface="Open Sans"/>
@@ -6745,13 +7813,13 @@
               <a:t>   - O sistema deve ser capaz de lidar com uma carga razoável de tráfego simultâneo sem degradação significativa no desempenho.</a:t>
             </a:r>
             <a:br>
-              <a:rPr lang="pt-BR" sz="1600" dirty="0">
+              <a:rPr lang="pt-BR" sz="1600">
                 <a:latin typeface="Open Sans"/>
                 <a:ea typeface="Open Sans"/>
                 <a:cs typeface="Open Sans"/>
               </a:rPr>
             </a:br>
-            <a:endParaRPr lang="pt-BR" sz="1600" b="1" dirty="0">
+            <a:endParaRPr lang="pt-BR" sz="1600" b="1">
               <a:latin typeface="Open Sans"/>
               <a:ea typeface="Open Sans"/>
               <a:cs typeface="Open Sans"/>
@@ -6762,7 +7830,7 @@
               <a:buNone/>
             </a:pPr>
             <a:r>
-              <a:rPr lang="pt-BR" sz="1600" b="1" dirty="0">
+              <a:rPr lang="pt-BR" sz="1600" b="1">
                 <a:latin typeface="Open Sans"/>
                 <a:ea typeface="Open Sans"/>
                 <a:cs typeface="Open Sans"/>
@@ -6775,7 +7843,7 @@
               <a:buNone/>
             </a:pPr>
             <a:r>
-              <a:rPr lang="pt-BR" sz="1600" dirty="0">
+              <a:rPr lang="pt-BR" sz="1600">
                 <a:latin typeface="Open Sans"/>
                 <a:ea typeface="Open Sans"/>
                 <a:cs typeface="Open Sans"/>
@@ -6783,13 +7851,13 @@
               <a:t>   - As informações armazenadas serão mínimas e criptografadas para fins de segurança de dados.</a:t>
             </a:r>
             <a:br>
-              <a:rPr lang="pt-BR" sz="1600" dirty="0">
+              <a:rPr lang="pt-BR" sz="1600">
                 <a:latin typeface="Open Sans"/>
                 <a:ea typeface="Open Sans"/>
                 <a:cs typeface="Open Sans"/>
               </a:rPr>
             </a:br>
-            <a:endParaRPr lang="pt-BR" sz="1600" b="1" dirty="0">
+            <a:endParaRPr lang="pt-BR" sz="1600" b="1">
               <a:latin typeface="Open Sans"/>
               <a:ea typeface="Open Sans"/>
               <a:cs typeface="Open Sans"/>
@@ -6800,7 +7868,7 @@
               <a:buNone/>
             </a:pPr>
             <a:r>
-              <a:rPr lang="pt-BR" sz="1600" b="1" dirty="0">
+              <a:rPr lang="pt-BR" sz="1600" b="1">
                 <a:latin typeface="Open Sans"/>
                 <a:ea typeface="Open Sans"/>
                 <a:cs typeface="Open Sans"/>
@@ -6813,7 +7881,7 @@
               <a:buNone/>
             </a:pPr>
             <a:r>
-              <a:rPr lang="pt-BR" sz="1600" dirty="0">
+              <a:rPr lang="pt-BR" sz="1600">
                 <a:latin typeface="Open Sans"/>
                 <a:ea typeface="Open Sans"/>
                 <a:cs typeface="Open Sans"/>
@@ -6825,7 +7893,7 @@
             <a:pPr marL="0" indent="0">
               <a:buNone/>
             </a:pPr>
-            <a:endParaRPr lang="pt-BR" sz="1600" b="1" dirty="0">
+            <a:endParaRPr lang="pt-BR" sz="1600" b="1">
               <a:latin typeface="Open Sans"/>
               <a:ea typeface="Open Sans"/>
               <a:cs typeface="Open Sans"/>
@@ -6843,11 +7911,11 @@
   <p:clrMapOvr>
     <a:masterClrMapping/>
   </p:clrMapOvr>
-  <mc:AlternateContent xmlns:mc="http://schemas.openxmlformats.org/markup-compatibility/2006">
-    <mc:Choice xmlns:p14="http://schemas.microsoft.com/office/powerpoint/2010/main" Requires="p14">
+  <mc:AlternateContent xmlns:mc="http://schemas.openxmlformats.org/markup-compatibility/2006" xmlns:p14="http://schemas.microsoft.com/office/powerpoint/2010/main">
+    <mc:Choice Requires="p14">
       <p:transition p14:dur="0"/>
     </mc:Choice>
-    <mc:Fallback>
+    <mc:Fallback xmlns="">
       <p:transition/>
     </mc:Fallback>
   </mc:AlternateContent>
@@ -6893,14 +7961,14 @@
           <a:lstStyle/>
           <a:p>
             <a:r>
-              <a:rPr lang="pt-BR" dirty="0">
+              <a:rPr lang="pt-BR">
                 <a:latin typeface="Open Sans"/>
                 <a:ea typeface="Open Sans"/>
                 <a:cs typeface="Open Sans"/>
               </a:rPr>
               <a:t>Requisitos</a:t>
             </a:r>
-            <a:endParaRPr lang="pt-BR" dirty="0"/>
+            <a:endParaRPr lang="pt-BR"/>
           </a:p>
         </p:txBody>
       </p:sp>
@@ -6936,7 +8004,7 @@
               <a:buNone/>
             </a:pPr>
             <a:r>
-              <a:rPr lang="pt-BR" sz="1600" b="1" dirty="0">
+              <a:rPr lang="pt-BR" sz="1600" b="1">
                 <a:latin typeface="Open Sans"/>
                 <a:ea typeface="Open Sans"/>
                 <a:cs typeface="Open Sans"/>
@@ -6949,7 +8017,7 @@
               <a:buNone/>
             </a:pPr>
             <a:r>
-              <a:rPr lang="pt-BR" sz="1600" dirty="0">
+              <a:rPr lang="pt-BR" sz="1600">
                 <a:latin typeface="Open Sans"/>
                 <a:ea typeface="Open Sans"/>
                 <a:cs typeface="Open Sans"/>
@@ -6957,13 +8025,13 @@
               <a:t>   - O sistema deve ser projetado para ser escalável, permitindo a adição de mais plantas e clientes conforme necessário.</a:t>
             </a:r>
             <a:br>
-              <a:rPr lang="pt-BR" sz="1600" dirty="0">
+              <a:rPr lang="pt-BR" sz="1600">
                 <a:latin typeface="Open Sans"/>
                 <a:ea typeface="Open Sans"/>
                 <a:cs typeface="Open Sans"/>
               </a:rPr>
             </a:br>
-            <a:endParaRPr lang="pt-BR" sz="1600" b="1" dirty="0">
+            <a:endParaRPr lang="pt-BR" sz="1600" b="1">
               <a:latin typeface="Open Sans"/>
               <a:ea typeface="Open Sans"/>
               <a:cs typeface="Open Sans"/>
@@ -6974,7 +8042,7 @@
               <a:buNone/>
             </a:pPr>
             <a:r>
-              <a:rPr lang="pt-BR" sz="1600" b="1" dirty="0">
+              <a:rPr lang="pt-BR" sz="1600" b="1">
                 <a:latin typeface="Open Sans"/>
                 <a:ea typeface="Open Sans"/>
                 <a:cs typeface="Open Sans"/>
@@ -6987,7 +8055,7 @@
               <a:buNone/>
             </a:pPr>
             <a:r>
-              <a:rPr lang="pt-BR" sz="1600" dirty="0">
+              <a:rPr lang="pt-BR" sz="1600">
                 <a:latin typeface="Open Sans"/>
                 <a:ea typeface="Open Sans"/>
                 <a:cs typeface="Open Sans"/>
@@ -6999,7 +8067,7 @@
             <a:pPr marL="0" indent="0">
               <a:buNone/>
             </a:pPr>
-            <a:endParaRPr lang="pt-BR" sz="1600" b="1" dirty="0">
+            <a:endParaRPr lang="pt-BR" sz="1600" b="1">
               <a:latin typeface="Open Sans"/>
               <a:ea typeface="Open Sans"/>
               <a:cs typeface="Open Sans"/>
@@ -7010,7 +8078,7 @@
               <a:buNone/>
             </a:pPr>
             <a:r>
-              <a:rPr lang="pt-BR" sz="1600" b="1" dirty="0">
+              <a:rPr lang="pt-BR" sz="1600" b="1">
                 <a:latin typeface="Open Sans"/>
                 <a:ea typeface="Open Sans"/>
                 <a:cs typeface="Open Sans"/>
@@ -7023,7 +8091,7 @@
               <a:buNone/>
             </a:pPr>
             <a:r>
-              <a:rPr lang="pt-BR" sz="1600" dirty="0">
+              <a:rPr lang="pt-BR" sz="1600">
                 <a:latin typeface="Open Sans"/>
                 <a:ea typeface="Open Sans"/>
                 <a:cs typeface="Open Sans"/>
@@ -7035,7 +8103,7 @@
             <a:pPr marL="0" indent="0">
               <a:buNone/>
             </a:pPr>
-            <a:endParaRPr lang="pt-BR" sz="1600" b="1" dirty="0">
+            <a:endParaRPr lang="pt-BR" sz="1600" b="1">
               <a:latin typeface="Open Sans"/>
               <a:ea typeface="Open Sans"/>
               <a:cs typeface="Open Sans"/>
@@ -7046,7 +8114,7 @@
               <a:buNone/>
             </a:pPr>
             <a:r>
-              <a:rPr lang="pt-BR" sz="1600" b="1" dirty="0">
+              <a:rPr lang="pt-BR" sz="1600" b="1">
                 <a:latin typeface="Open Sans"/>
                 <a:ea typeface="Open Sans"/>
                 <a:cs typeface="Open Sans"/>
@@ -7059,7 +8127,7 @@
               <a:buNone/>
             </a:pPr>
             <a:r>
-              <a:rPr lang="pt-BR" sz="1600" dirty="0">
+              <a:rPr lang="pt-BR" sz="1600">
                 <a:latin typeface="Open Sans"/>
                 <a:ea typeface="Open Sans"/>
                 <a:cs typeface="Open Sans"/>
@@ -7079,11 +8147,11 @@
   <p:clrMapOvr>
     <a:masterClrMapping/>
   </p:clrMapOvr>
-  <mc:AlternateContent xmlns:mc="http://schemas.openxmlformats.org/markup-compatibility/2006">
-    <mc:Choice xmlns:p14="http://schemas.microsoft.com/office/powerpoint/2010/main" Requires="p14">
+  <mc:AlternateContent xmlns:mc="http://schemas.openxmlformats.org/markup-compatibility/2006" xmlns:p14="http://schemas.microsoft.com/office/powerpoint/2010/main">
+    <mc:Choice Requires="p14">
       <p:transition p14:dur="0"/>
     </mc:Choice>
-    <mc:Fallback>
+    <mc:Fallback xmlns="">
       <p:transition/>
     </mc:Fallback>
   </mc:AlternateContent>
@@ -7123,133 +8191,28 @@
             <p:ph type="title"/>
           </p:nvPr>
         </p:nvSpPr>
-        <p:spPr/>
-        <p:txBody>
-          <a:bodyPr/>
-          <a:lstStyle/>
-          <a:p>
-            <a:r>
-              <a:rPr lang="pt-BR" dirty="0">
-                <a:latin typeface="Open Sans"/>
-                <a:ea typeface="Open Sans"/>
-                <a:cs typeface="Open Sans"/>
-              </a:rPr>
-              <a:t>Modelagem</a:t>
-            </a:r>
-            <a:endParaRPr lang="pt-BR" dirty="0"/>
-          </a:p>
-        </p:txBody>
-      </p:sp>
-      <p:sp>
-        <p:nvSpPr>
-          <p:cNvPr id="3" name="Espaço Reservado para Conteúdo 2">
-            <a:extLst>
-              <a:ext uri="{FF2B5EF4-FFF2-40B4-BE49-F238E27FC236}">
-                <a16:creationId xmlns:a16="http://schemas.microsoft.com/office/drawing/2014/main" id="{2B7075DA-679E-64B3-620E-D6B8EEFEA10F}"/>
-              </a:ext>
-            </a:extLst>
-          </p:cNvPr>
-          <p:cNvSpPr>
-            <a:spLocks noGrp="1"/>
-          </p:cNvSpPr>
-          <p:nvPr>
-            <p:ph idx="1"/>
-          </p:nvPr>
-        </p:nvSpPr>
-        <p:spPr/>
-        <p:txBody>
-          <a:bodyPr vert="horz" lIns="45720" tIns="45720" rIns="45720" bIns="45720" rtlCol="0" anchor="t">
+        <p:spPr>
+          <a:xfrm>
+            <a:off x="2847" y="-3814"/>
+            <a:ext cx="9138304" cy="6104902"/>
+          </a:xfrm>
+        </p:spPr>
+        <p:txBody>
+          <a:bodyPr vert="horz" lIns="91440" tIns="45720" rIns="91440" bIns="45720" rtlCol="0" anchor="ctr">
             <a:normAutofit/>
           </a:bodyPr>
           <a:lstStyle/>
           <a:p>
-            <a:pPr marL="0" indent="0">
-              <a:buNone/>
-            </a:pPr>
-            <a:r>
-              <a:rPr lang="pt-BR" dirty="0">
-                <a:latin typeface="Open Sans"/>
-                <a:ea typeface="Open Sans"/>
-                <a:cs typeface="Open Sans"/>
-              </a:rPr>
-              <a:t>Utilize um ou mais slides para apresentar diagramas de classes, objetos, sequencias, pacotes ou etc.... você tem liberdade para escolher o que melhor adequa-se. </a:t>
-            </a:r>
-          </a:p>
-          <a:p>
-            <a:pPr marL="0" indent="0">
-              <a:spcAft>
-                <a:spcPts val="112"/>
-              </a:spcAft>
-              <a:buNone/>
-            </a:pPr>
-            <a:endParaRPr lang="pt-BR" dirty="0">
-              <a:latin typeface="Open Sans"/>
-              <a:ea typeface="Open Sans"/>
-              <a:cs typeface="Open Sans"/>
-            </a:endParaRPr>
-          </a:p>
-          <a:p>
-            <a:pPr marL="0" indent="0">
-              <a:spcAft>
-                <a:spcPts val="112"/>
-              </a:spcAft>
-              <a:buNone/>
-            </a:pPr>
-            <a:r>
-              <a:rPr lang="pt-BR" dirty="0">
-                <a:latin typeface="Open Sans"/>
-                <a:ea typeface="Open Sans"/>
-                <a:cs typeface="Open Sans"/>
-              </a:rPr>
-              <a:t>ATENÇÃO - atente para o limite de 7 minutos.  </a:t>
-            </a:r>
-            <a:br>
-              <a:rPr lang="pt-BR" dirty="0">
-                <a:latin typeface="Open Sans"/>
-                <a:ea typeface="Open Sans"/>
-                <a:cs typeface="Open Sans"/>
-              </a:rPr>
-            </a:br>
-            <a:r>
-              <a:rPr lang="pt-BR" dirty="0">
-                <a:latin typeface="Open Sans"/>
-                <a:ea typeface="Open Sans"/>
-                <a:cs typeface="Open Sans"/>
-              </a:rPr>
-              <a:t>Outros pontos:</a:t>
-            </a:r>
-          </a:p>
-          <a:p>
-            <a:pPr marL="342900" indent="-342900">
-              <a:spcAft>
-                <a:spcPts val="112"/>
-              </a:spcAft>
-            </a:pPr>
-            <a:r>
-              <a:rPr lang="pt-BR" dirty="0">
-                <a:latin typeface="Open Sans"/>
-                <a:ea typeface="Open Sans"/>
-                <a:cs typeface="Open Sans"/>
-              </a:rPr>
-              <a:t>importante estar apto para explicar cada modelo </a:t>
-            </a:r>
-            <a:endParaRPr lang="pt-BR"/>
-          </a:p>
-          <a:p>
-            <a:pPr marL="342900" indent="-342900">
-              <a:spcAft>
-                <a:spcPts val="112"/>
-              </a:spcAft>
-            </a:pPr>
-            <a:r>
-              <a:rPr lang="pt-BR" dirty="0">
-                <a:latin typeface="Open Sans"/>
-                <a:ea typeface="Open Sans"/>
-                <a:cs typeface="Open Sans"/>
-              </a:rPr>
-              <a:t>Estar apto a responder questionamentos sobre os modelos. </a:t>
-            </a:r>
-            <a:endParaRPr lang="pt-BR" dirty="0"/>
+            <a:pPr algn="ctr"/>
+            <a:r>
+              <a:rPr lang="pt-BR" sz="4000" dirty="0">
+                <a:latin typeface="Open Sans"/>
+                <a:ea typeface="Open Sans"/>
+                <a:cs typeface="Open Sans"/>
+              </a:rPr>
+              <a:t>Modelagem</a:t>
+            </a:r>
+            <a:endParaRPr lang="pt-BR" sz="4000" dirty="0"/>
           </a:p>
         </p:txBody>
       </p:sp>
@@ -7831,6 +8794,12 @@
 </file>
 
 <file path=customXml/item1.xml><?xml version="1.0" encoding="utf-8"?>
+<p:properties xmlns:p="http://schemas.microsoft.com/office/2006/metadata/properties" xmlns:xsi="http://www.w3.org/2001/XMLSchema-instance" xmlns:pc="http://schemas.microsoft.com/office/infopath/2007/PartnerControls">
+  <documentManagement/>
+</p:properties>
+</file>
+
+<file path=customXml/item2.xml><?xml version="1.0" encoding="utf-8"?>
 <?mso-contentType ?>
 <FormTemplates xmlns="http://schemas.microsoft.com/sharepoint/v3/contenttype/forms">
   <Display>DocumentLibraryForm</Display>
@@ -7839,7 +8808,7 @@
 </FormTemplates>
 </file>
 
-<file path=customXml/item2.xml><?xml version="1.0" encoding="utf-8"?>
+<file path=customXml/item3.xml><?xml version="1.0" encoding="utf-8"?>
 <ct:contentTypeSchema xmlns:ct="http://schemas.microsoft.com/office/2006/metadata/contentType" xmlns:ma="http://schemas.microsoft.com/office/2006/metadata/properties/metaAttributes" ct:_="" ma:_="" ma:contentTypeName="Documento" ma:contentTypeID="0x010100C31D8CFE97B7F54BB64B70AEDF0EB890" ma:contentTypeVersion="2" ma:contentTypeDescription="Crie um novo documento." ma:contentTypeScope="" ma:versionID="f540eaa3552cf20a89e3b36cc1ef338c">
   <xsd:schema xmlns:xsd="http://www.w3.org/2001/XMLSchema" xmlns:xs="http://www.w3.org/2001/XMLSchema" xmlns:p="http://schemas.microsoft.com/office/2006/metadata/properties" xmlns:ns2="8191d3a3-29e2-4032-b098-63d06824dbee" targetNamespace="http://schemas.microsoft.com/office/2006/metadata/properties" ma:root="true" ma:fieldsID="33f958a47b0ae20ce29cc77aa5606997" ns2:_="">
     <xsd:import namespace="8191d3a3-29e2-4032-b098-63d06824dbee"/>
@@ -7971,13 +8940,16 @@
 </ct:contentTypeSchema>
 </file>
 
-<file path=customXml/item3.xml><?xml version="1.0" encoding="utf-8"?>
-<p:properties xmlns:p="http://schemas.microsoft.com/office/2006/metadata/properties" xmlns:xsi="http://www.w3.org/2001/XMLSchema-instance" xmlns:pc="http://schemas.microsoft.com/office/infopath/2007/PartnerControls">
-  <documentManagement/>
-</p:properties>
+<file path=customXml/itemProps1.xml><?xml version="1.0" encoding="utf-8"?>
+<ds:datastoreItem xmlns:ds="http://schemas.openxmlformats.org/officeDocument/2006/customXml" ds:itemID="{5328837B-1CF1-4B5A-9121-038039F94D97}">
+  <ds:schemaRefs>
+    <ds:schemaRef ds:uri="http://schemas.microsoft.com/office/2006/metadata/properties"/>
+    <ds:schemaRef ds:uri="http://schemas.microsoft.com/office/infopath/2007/PartnerControls"/>
+  </ds:schemaRefs>
+</ds:datastoreItem>
 </file>
 
-<file path=customXml/itemProps1.xml><?xml version="1.0" encoding="utf-8"?>
+<file path=customXml/itemProps2.xml><?xml version="1.0" encoding="utf-8"?>
 <ds:datastoreItem xmlns:ds="http://schemas.openxmlformats.org/officeDocument/2006/customXml" ds:itemID="{5536FF81-0CEF-426B-853C-221AA41BB11F}">
   <ds:schemaRefs>
     <ds:schemaRef ds:uri="http://schemas.microsoft.com/sharepoint/v3/contenttype/forms"/>
@@ -7985,7 +8957,7 @@
 </ds:datastoreItem>
 </file>
 
-<file path=customXml/itemProps2.xml><?xml version="1.0" encoding="utf-8"?>
+<file path=customXml/itemProps3.xml><?xml version="1.0" encoding="utf-8"?>
 <ds:datastoreItem xmlns:ds="http://schemas.openxmlformats.org/officeDocument/2006/customXml" ds:itemID="{EB02694F-8332-47FA-A71E-33B841076A60}">
   <ds:schemaRefs>
     <ds:schemaRef ds:uri="http://schemas.microsoft.com/office/2006/metadata/contentType"/>
@@ -8001,13 +8973,4 @@
     <ds:schemaRef ds:uri="http://schemas.microsoft.com/internal/obd"/>
   </ds:schemaRefs>
 </ds:datastoreItem>
-</file>
-
-<file path=customXml/itemProps3.xml><?xml version="1.0" encoding="utf-8"?>
-<ds:datastoreItem xmlns:ds="http://schemas.openxmlformats.org/officeDocument/2006/customXml" ds:itemID="{5328837B-1CF1-4B5A-9121-038039F94D97}">
-  <ds:schemaRefs>
-    <ds:schemaRef ds:uri="http://schemas.microsoft.com/office/2006/metadata/properties"/>
-    <ds:schemaRef ds:uri="http://schemas.microsoft.com/office/infopath/2007/PartnerControls"/>
-  </ds:schemaRefs>
-</ds:datastoreItem>
 </file>